--- a/Whiteboard design session/WDS trainer presentation - SAP_plus_extend_and_innovate.pptx
+++ b/Whiteboard design session/WDS trainer presentation - SAP_plus_extend_and_innovate.pptx
@@ -244,7 +244,7 @@
           <a:p>
             <a:fld id="{52A13B17-C506-4D51-BB37-16B365906619}" type="datetimeFigureOut">
               <a:rPr lang="en-US" smtClean="0"/>
-              <a:t>6/29/2021</a:t>
+              <a:t>6/30/2021</a:t>
             </a:fld>
             <a:endParaRPr lang="en-US" dirty="0"/>
           </a:p>
@@ -3354,7 +3354,7 @@
                   <a:prstClr val="black"/>
                 </a:solidFill>
               </a:rPr>
-              <a:t>6/29/2021 7:58 PM</a:t>
+              <a:t>6/30/2021 5:28 PM</a:t>
             </a:fld>
             <a:endParaRPr lang="en-US" dirty="0">
               <a:solidFill>
@@ -18977,70 +18977,6 @@
         </p:sp>
         <p:sp>
           <p:nvSpPr>
-            <p:cNvPr id="81" name="TextBox 80">
-              <a:extLst>
-                <a:ext uri="{FF2B5EF4-FFF2-40B4-BE49-F238E27FC236}">
-                  <a16:creationId xmlns:a16="http://schemas.microsoft.com/office/drawing/2014/main" id="{23A7EB85-BDD8-462F-B0AC-A75141333969}"/>
-                </a:ext>
-              </a:extLst>
-            </p:cNvPr>
-            <p:cNvSpPr txBox="1"/>
-            <p:nvPr/>
-          </p:nvSpPr>
-          <p:spPr>
-            <a:xfrm>
-              <a:off x="8591776" y="3495847"/>
-              <a:ext cx="2148418" cy="276999"/>
-            </a:xfrm>
-            <a:prstGeom prst="rect">
-              <a:avLst/>
-            </a:prstGeom>
-            <a:noFill/>
-          </p:spPr>
-          <p:txBody>
-            <a:bodyPr wrap="square" rtlCol="0">
-              <a:spAutoFit/>
-            </a:bodyPr>
-            <a:lstStyle/>
-            <a:p>
-              <a:pPr marL="0" marR="0" lvl="0" indent="0" algn="ctr" defTabSz="914400" eaLnBrk="1" fontAlgn="auto" latinLnBrk="0" hangingPunct="1">
-                <a:lnSpc>
-                  <a:spcPct val="100000"/>
-                </a:lnSpc>
-                <a:spcBef>
-                  <a:spcPts val="0"/>
-                </a:spcBef>
-                <a:spcAft>
-                  <a:spcPts val="600"/>
-                </a:spcAft>
-                <a:buClrTx/>
-                <a:buSzTx/>
-                <a:buFontTx/>
-                <a:buNone/>
-                <a:tabLst/>
-                <a:defRPr/>
-              </a:pPr>
-              <a:r>
-                <a:rPr kumimoji="0" lang="en-US" sz="1200" b="0" i="0" u="none" strike="noStrike" kern="0" cap="none" spc="0" normalizeH="0" baseline="0" noProof="0" dirty="0">
-                  <a:ln>
-                    <a:noFill/>
-                  </a:ln>
-                  <a:solidFill>
-                    <a:prstClr val="black"/>
-                  </a:solidFill>
-                  <a:effectLst/>
-                  <a:uLnTx/>
-                  <a:uFillTx/>
-                  <a:latin typeface="Segoe UI" panose="020B0502040204020203" pitchFamily="34" charset="0"/>
-                  <a:cs typeface="Segoe UI" panose="020B0502040204020203" pitchFamily="34" charset="0"/>
-                </a:rPr>
-                <a:t>SAP Leonardo IoT</a:t>
-              </a:r>
-            </a:p>
-          </p:txBody>
-        </p:sp>
-        <p:sp>
-          <p:nvSpPr>
             <p:cNvPr id="82" name="TextBox 81">
               <a:extLst>
                 <a:ext uri="{FF2B5EF4-FFF2-40B4-BE49-F238E27FC236}">
@@ -20911,10 +20847,10 @@
       </p:sp>
       <p:pic>
         <p:nvPicPr>
-          <p:cNvPr id="3" name="Picture 2">
+          <p:cNvPr id="4" name="Picture 3">
             <a:extLst>
               <a:ext uri="{FF2B5EF4-FFF2-40B4-BE49-F238E27FC236}">
-                <a16:creationId xmlns:a16="http://schemas.microsoft.com/office/drawing/2014/main" id="{D56C370E-78BF-4E96-BE66-0E4922EC6E7B}"/>
+                <a16:creationId xmlns:a16="http://schemas.microsoft.com/office/drawing/2014/main" id="{FA7CEA39-8BA2-4110-8C3D-D168AC685C09}"/>
               </a:ext>
             </a:extLst>
           </p:cNvPr>
@@ -20931,8 +20867,8 @@
         </p:blipFill>
         <p:spPr>
           <a:xfrm>
-            <a:off x="1371600" y="1024624"/>
-            <a:ext cx="9512553" cy="5700177"/>
+            <a:off x="1827097" y="1046768"/>
+            <a:ext cx="8537805" cy="5595193"/>
           </a:xfrm>
           <a:prstGeom prst="rect">
             <a:avLst/>
@@ -21036,7 +20972,7 @@
               <a:rPr lang="en-US" sz="2000" dirty="0">
                 <a:latin typeface="+mn-lt"/>
               </a:rPr>
-              <a:t>Azure IoT Intelligent Edge a combination of Azure services and a runtime that runs on IoT devices. The runtime manages containerized modules that you can use to implement business logic in the form of SAP and in-house developed applications. The modules extend the application functionality to the edge of your enterprise, expediting a response to IoT device-generated events by applying relevant actions directly to the source. In addition, the modules handle bulk of processing tasks at the edge, limiting the dependency on the cloud compute and storage resources, lowering the corresponding cost. By running SAP Essential Business Functions modules on Azure IoT Edge and through integration with SAP Leonardo IoT, Contoso will be able to extend the reach of their S4/HANA and C4/HANA workloads directly to their assets, bringing the capabilities of business applications and governance to the edge.</a:t>
+              <a:t>Azure IoT Intelligent Edge a combination of Azure services and a runtime that runs on IoT devices. The runtime manages containerized modules that you can use to implement business logic in the form of SAP and in-house developed applications. The modules extend the application functionality to the edge of your enterprise, expediting a response to IoT device-generated events by applying relevant actions directly to the source. In addition, the modules handle bulk of processing tasks at the edge, limiting the dependency on the cloud compute and storage resources, lowering the corresponding cost. By running SAP Essential Business Functions modules on Azure IoT Edge, Contoso will be able to extend the reach of their S4/HANA and C4/HANA workloads directly to their assets, bringing the capabilities of business applications and governance to the edge.</a:t>
             </a:r>
           </a:p>
           <a:p>
@@ -21372,10 +21308,10 @@
       </p:sp>
       <p:pic>
         <p:nvPicPr>
-          <p:cNvPr id="3" name="Picture 2">
+          <p:cNvPr id="4" name="Picture 3">
             <a:extLst>
               <a:ext uri="{FF2B5EF4-FFF2-40B4-BE49-F238E27FC236}">
-                <a16:creationId xmlns:a16="http://schemas.microsoft.com/office/drawing/2014/main" id="{75D6907E-5604-41CB-AB0C-D5EE984AF13D}"/>
+                <a16:creationId xmlns:a16="http://schemas.microsoft.com/office/drawing/2014/main" id="{3C3A2003-508B-4B05-A3E1-FA45EB37E19C}"/>
               </a:ext>
             </a:extLst>
           </p:cNvPr>
@@ -21392,8 +21328,8 @@
         </p:blipFill>
         <p:spPr>
           <a:xfrm>
-            <a:off x="761812" y="1189176"/>
-            <a:ext cx="10940495" cy="5154657"/>
+            <a:off x="1099506" y="1151075"/>
+            <a:ext cx="10017343" cy="5379313"/>
           </a:xfrm>
           <a:prstGeom prst="rect">
             <a:avLst/>
@@ -25486,6 +25422,12 @@
 </file>
 
 <file path=customXml/item1.xml><?xml version="1.0" encoding="utf-8"?>
+<p:properties xmlns:p="http://schemas.microsoft.com/office/2006/metadata/properties" xmlns:xsi="http://www.w3.org/2001/XMLSchema-instance" xmlns:pc="http://schemas.microsoft.com/office/infopath/2007/PartnerControls">
+  <documentManagement/>
+</p:properties>
+</file>
+
+<file path=customXml/item2.xml><?xml version="1.0" encoding="utf-8"?>
 <ct:contentTypeSchema xmlns:ct="http://schemas.microsoft.com/office/2006/metadata/contentType" xmlns:ma="http://schemas.microsoft.com/office/2006/metadata/properties/metaAttributes" ct:_="" ma:_="" ma:contentTypeName="Document" ma:contentTypeID="0x010100BCA4EC527BF874469D7E5FECF7D9FB70" ma:contentTypeVersion="6" ma:contentTypeDescription="Create a new document." ma:contentTypeScope="" ma:versionID="63bcfb01198a5f4cc35071d76a13e973">
   <xsd:schema xmlns:xsd="http://www.w3.org/2001/XMLSchema" xmlns:xs="http://www.w3.org/2001/XMLSchema" xmlns:p="http://schemas.microsoft.com/office/2006/metadata/properties" xmlns:ns2="25b059c1-e0b1-4aae-b8e7-a9c1a20f7312" xmlns:ns3="24937d34-002f-4836-b77c-e21f12df0152" targetNamespace="http://schemas.microsoft.com/office/2006/metadata/properties" ma:root="true" ma:fieldsID="12b927a22a17d3f79cc59c0932bea1cb" ns2:_="" ns3:_="">
     <xsd:import namespace="25b059c1-e0b1-4aae-b8e7-a9c1a20f7312"/>
@@ -25664,12 +25606,6 @@
 </ct:contentTypeSchema>
 </file>
 
-<file path=customXml/item2.xml><?xml version="1.0" encoding="utf-8"?>
-<p:properties xmlns:p="http://schemas.microsoft.com/office/2006/metadata/properties" xmlns:xsi="http://www.w3.org/2001/XMLSchema-instance" xmlns:pc="http://schemas.microsoft.com/office/infopath/2007/PartnerControls">
-  <documentManagement/>
-</p:properties>
-</file>
-
 <file path=customXml/item3.xml><?xml version="1.0" encoding="utf-8"?>
 <?mso-contentType ?>
 <FormTemplates xmlns="http://schemas.microsoft.com/sharepoint/v3/contenttype/forms">
@@ -25680,6 +25616,23 @@
 </file>
 
 <file path=customXml/itemProps1.xml><?xml version="1.0" encoding="utf-8"?>
+<ds:datastoreItem xmlns:ds="http://schemas.openxmlformats.org/officeDocument/2006/customXml" ds:itemID="{2AC6E67E-42B4-40AF-80F4-D98253E4E21A}">
+  <ds:schemaRefs>
+    <ds:schemaRef ds:uri="24937d34-002f-4836-b77c-e21f12df0152"/>
+    <ds:schemaRef ds:uri="http://schemas.microsoft.com/office/2006/metadata/properties"/>
+    <ds:schemaRef ds:uri="25b059c1-e0b1-4aae-b8e7-a9c1a20f7312"/>
+    <ds:schemaRef ds:uri="http://schemas.microsoft.com/office/2006/documentManagement/types"/>
+    <ds:schemaRef ds:uri="http://www.w3.org/XML/1998/namespace"/>
+    <ds:schemaRef ds:uri="http://purl.org/dc/terms/"/>
+    <ds:schemaRef ds:uri="http://schemas.microsoft.com/office/infopath/2007/PartnerControls"/>
+    <ds:schemaRef ds:uri="http://schemas.openxmlformats.org/package/2006/metadata/core-properties"/>
+    <ds:schemaRef ds:uri="http://purl.org/dc/dcmitype/"/>
+    <ds:schemaRef ds:uri="http://purl.org/dc/elements/1.1/"/>
+  </ds:schemaRefs>
+</ds:datastoreItem>
+</file>
+
+<file path=customXml/itemProps2.xml><?xml version="1.0" encoding="utf-8"?>
 <ds:datastoreItem xmlns:ds="http://schemas.openxmlformats.org/officeDocument/2006/customXml" ds:itemID="{50B43756-F2F7-4341-9ED7-6CDCB2E9AC83}">
   <ds:schemaRefs>
     <ds:schemaRef ds:uri="http://schemas.microsoft.com/office/2006/metadata/contentType"/>
@@ -25698,23 +25651,6 @@
 </ds:datastoreItem>
 </file>
 
-<file path=customXml/itemProps2.xml><?xml version="1.0" encoding="utf-8"?>
-<ds:datastoreItem xmlns:ds="http://schemas.openxmlformats.org/officeDocument/2006/customXml" ds:itemID="{2AC6E67E-42B4-40AF-80F4-D98253E4E21A}">
-  <ds:schemaRefs>
-    <ds:schemaRef ds:uri="24937d34-002f-4836-b77c-e21f12df0152"/>
-    <ds:schemaRef ds:uri="http://schemas.microsoft.com/office/2006/metadata/properties"/>
-    <ds:schemaRef ds:uri="25b059c1-e0b1-4aae-b8e7-a9c1a20f7312"/>
-    <ds:schemaRef ds:uri="http://schemas.microsoft.com/office/2006/documentManagement/types"/>
-    <ds:schemaRef ds:uri="http://www.w3.org/XML/1998/namespace"/>
-    <ds:schemaRef ds:uri="http://purl.org/dc/terms/"/>
-    <ds:schemaRef ds:uri="http://schemas.microsoft.com/office/infopath/2007/PartnerControls"/>
-    <ds:schemaRef ds:uri="http://schemas.openxmlformats.org/package/2006/metadata/core-properties"/>
-    <ds:schemaRef ds:uri="http://purl.org/dc/dcmitype/"/>
-    <ds:schemaRef ds:uri="http://purl.org/dc/elements/1.1/"/>
-  </ds:schemaRefs>
-</ds:datastoreItem>
-</file>
-
 <file path=customXml/itemProps3.xml><?xml version="1.0" encoding="utf-8"?>
 <ds:datastoreItem xmlns:ds="http://schemas.openxmlformats.org/officeDocument/2006/customXml" ds:itemID="{FC7B288A-115F-4EDF-8326-05039CEE1DB1}">
   <ds:schemaRefs>

--- a/Whiteboard design session/WDS trainer presentation - SAP_plus_extend_and_innovate.pptx
+++ b/Whiteboard design session/WDS trainer presentation - SAP_plus_extend_and_innovate.pptx
@@ -6,7 +6,7 @@
     <p:sldMasterId id="2147483665" r:id="rId5"/>
   </p:sldMasterIdLst>
   <p:notesMasterIdLst>
-    <p:notesMasterId r:id="rId50"/>
+    <p:notesMasterId r:id="rId53"/>
   </p:notesMasterIdLst>
   <p:sldIdLst>
     <p:sldId id="300" r:id="rId6"/>
@@ -35,24 +35,27 @@
     <p:sldId id="410" r:id="rId29"/>
     <p:sldId id="409" r:id="rId30"/>
     <p:sldId id="411" r:id="rId31"/>
-    <p:sldId id="412" r:id="rId32"/>
-    <p:sldId id="413" r:id="rId33"/>
-    <p:sldId id="414" r:id="rId34"/>
-    <p:sldId id="415" r:id="rId35"/>
-    <p:sldId id="416" r:id="rId36"/>
-    <p:sldId id="417" r:id="rId37"/>
-    <p:sldId id="418" r:id="rId38"/>
-    <p:sldId id="419" r:id="rId39"/>
-    <p:sldId id="420" r:id="rId40"/>
-    <p:sldId id="421" r:id="rId41"/>
-    <p:sldId id="422" r:id="rId42"/>
-    <p:sldId id="423" r:id="rId43"/>
-    <p:sldId id="424" r:id="rId44"/>
-    <p:sldId id="425" r:id="rId45"/>
-    <p:sldId id="426" r:id="rId46"/>
-    <p:sldId id="427" r:id="rId47"/>
-    <p:sldId id="384" r:id="rId48"/>
-    <p:sldId id="315" r:id="rId49"/>
+    <p:sldId id="415" r:id="rId32"/>
+    <p:sldId id="412" r:id="rId33"/>
+    <p:sldId id="413" r:id="rId34"/>
+    <p:sldId id="414" r:id="rId35"/>
+    <p:sldId id="429" r:id="rId36"/>
+    <p:sldId id="431" r:id="rId37"/>
+    <p:sldId id="432" r:id="rId38"/>
+    <p:sldId id="416" r:id="rId39"/>
+    <p:sldId id="417" r:id="rId40"/>
+    <p:sldId id="418" r:id="rId41"/>
+    <p:sldId id="419" r:id="rId42"/>
+    <p:sldId id="420" r:id="rId43"/>
+    <p:sldId id="421" r:id="rId44"/>
+    <p:sldId id="422" r:id="rId45"/>
+    <p:sldId id="423" r:id="rId46"/>
+    <p:sldId id="424" r:id="rId47"/>
+    <p:sldId id="425" r:id="rId48"/>
+    <p:sldId id="426" r:id="rId49"/>
+    <p:sldId id="427" r:id="rId50"/>
+    <p:sldId id="384" r:id="rId51"/>
+    <p:sldId id="315" r:id="rId52"/>
   </p:sldIdLst>
   <p:sldSz cx="12192000" cy="6858000"/>
   <p:notesSz cx="6858000" cy="9144000"/>
@@ -244,7 +247,7 @@
           <a:p>
             <a:fld id="{52A13B17-C506-4D51-BB37-16B365906619}" type="datetimeFigureOut">
               <a:rPr lang="en-US" smtClean="0"/>
-              <a:t>6/30/2021</a:t>
+              <a:t>7/12/2021</a:t>
             </a:fld>
             <a:endParaRPr lang="en-US" dirty="0"/>
           </a:p>
@@ -1893,7 +1896,7 @@
     </p:spTree>
     <p:extLst>
       <p:ext uri="{BB962C8B-B14F-4D97-AF65-F5344CB8AC3E}">
-        <p14:creationId xmlns:p14="http://schemas.microsoft.com/office/powerpoint/2010/main" val="2520107426"/>
+        <p14:creationId xmlns:p14="http://schemas.microsoft.com/office/powerpoint/2010/main" val="3618875254"/>
       </p:ext>
     </p:extLst>
   </p:cSld>
@@ -1977,7 +1980,7 @@
     </p:spTree>
     <p:extLst>
       <p:ext uri="{BB962C8B-B14F-4D97-AF65-F5344CB8AC3E}">
-        <p14:creationId xmlns:p14="http://schemas.microsoft.com/office/powerpoint/2010/main" val="3101110497"/>
+        <p14:creationId xmlns:p14="http://schemas.microsoft.com/office/powerpoint/2010/main" val="2520107426"/>
       </p:ext>
     </p:extLst>
   </p:cSld>
@@ -2061,7 +2064,7 @@
     </p:spTree>
     <p:extLst>
       <p:ext uri="{BB962C8B-B14F-4D97-AF65-F5344CB8AC3E}">
-        <p14:creationId xmlns:p14="http://schemas.microsoft.com/office/powerpoint/2010/main" val="3865380686"/>
+        <p14:creationId xmlns:p14="http://schemas.microsoft.com/office/powerpoint/2010/main" val="3101110497"/>
       </p:ext>
     </p:extLst>
   </p:cSld>
@@ -2145,7 +2148,7 @@
     </p:spTree>
     <p:extLst>
       <p:ext uri="{BB962C8B-B14F-4D97-AF65-F5344CB8AC3E}">
-        <p14:creationId xmlns:p14="http://schemas.microsoft.com/office/powerpoint/2010/main" val="3618875254"/>
+        <p14:creationId xmlns:p14="http://schemas.microsoft.com/office/powerpoint/2010/main" val="3865380686"/>
       </p:ext>
     </p:extLst>
   </p:cSld>
@@ -2229,7 +2232,7 @@
     </p:spTree>
     <p:extLst>
       <p:ext uri="{BB962C8B-B14F-4D97-AF65-F5344CB8AC3E}">
-        <p14:creationId xmlns:p14="http://schemas.microsoft.com/office/powerpoint/2010/main" val="520717896"/>
+        <p14:creationId xmlns:p14="http://schemas.microsoft.com/office/powerpoint/2010/main" val="823991738"/>
       </p:ext>
     </p:extLst>
   </p:cSld>
@@ -2313,7 +2316,7 @@
     </p:spTree>
     <p:extLst>
       <p:ext uri="{BB962C8B-B14F-4D97-AF65-F5344CB8AC3E}">
-        <p14:creationId xmlns:p14="http://schemas.microsoft.com/office/powerpoint/2010/main" val="2695815116"/>
+        <p14:creationId xmlns:p14="http://schemas.microsoft.com/office/powerpoint/2010/main" val="1028951708"/>
       </p:ext>
     </p:extLst>
   </p:cSld>
@@ -2397,7 +2400,7 @@
     </p:spTree>
     <p:extLst>
       <p:ext uri="{BB962C8B-B14F-4D97-AF65-F5344CB8AC3E}">
-        <p14:creationId xmlns:p14="http://schemas.microsoft.com/office/powerpoint/2010/main" val="996228550"/>
+        <p14:creationId xmlns:p14="http://schemas.microsoft.com/office/powerpoint/2010/main" val="1874836701"/>
       </p:ext>
     </p:extLst>
   </p:cSld>
@@ -2481,7 +2484,7 @@
     </p:spTree>
     <p:extLst>
       <p:ext uri="{BB962C8B-B14F-4D97-AF65-F5344CB8AC3E}">
-        <p14:creationId xmlns:p14="http://schemas.microsoft.com/office/powerpoint/2010/main" val="2257425100"/>
+        <p14:creationId xmlns:p14="http://schemas.microsoft.com/office/powerpoint/2010/main" val="520717896"/>
       </p:ext>
     </p:extLst>
   </p:cSld>
@@ -2649,7 +2652,7 @@
     </p:spTree>
     <p:extLst>
       <p:ext uri="{BB962C8B-B14F-4D97-AF65-F5344CB8AC3E}">
-        <p14:creationId xmlns:p14="http://schemas.microsoft.com/office/powerpoint/2010/main" val="89253779"/>
+        <p14:creationId xmlns:p14="http://schemas.microsoft.com/office/powerpoint/2010/main" val="2695815116"/>
       </p:ext>
     </p:extLst>
   </p:cSld>
@@ -2733,7 +2736,7 @@
     </p:spTree>
     <p:extLst>
       <p:ext uri="{BB962C8B-B14F-4D97-AF65-F5344CB8AC3E}">
-        <p14:creationId xmlns:p14="http://schemas.microsoft.com/office/powerpoint/2010/main" val="1156466798"/>
+        <p14:creationId xmlns:p14="http://schemas.microsoft.com/office/powerpoint/2010/main" val="996228550"/>
       </p:ext>
     </p:extLst>
   </p:cSld>
@@ -2817,7 +2820,7 @@
     </p:spTree>
     <p:extLst>
       <p:ext uri="{BB962C8B-B14F-4D97-AF65-F5344CB8AC3E}">
-        <p14:creationId xmlns:p14="http://schemas.microsoft.com/office/powerpoint/2010/main" val="3229424036"/>
+        <p14:creationId xmlns:p14="http://schemas.microsoft.com/office/powerpoint/2010/main" val="2257425100"/>
       </p:ext>
     </p:extLst>
   </p:cSld>
@@ -2901,7 +2904,7 @@
     </p:spTree>
     <p:extLst>
       <p:ext uri="{BB962C8B-B14F-4D97-AF65-F5344CB8AC3E}">
-        <p14:creationId xmlns:p14="http://schemas.microsoft.com/office/powerpoint/2010/main" val="1704606728"/>
+        <p14:creationId xmlns:p14="http://schemas.microsoft.com/office/powerpoint/2010/main" val="89253779"/>
       </p:ext>
     </p:extLst>
   </p:cSld>
@@ -2985,7 +2988,7 @@
     </p:spTree>
     <p:extLst>
       <p:ext uri="{BB962C8B-B14F-4D97-AF65-F5344CB8AC3E}">
-        <p14:creationId xmlns:p14="http://schemas.microsoft.com/office/powerpoint/2010/main" val="3608975843"/>
+        <p14:creationId xmlns:p14="http://schemas.microsoft.com/office/powerpoint/2010/main" val="1156466798"/>
       </p:ext>
     </p:extLst>
   </p:cSld>
@@ -3069,7 +3072,7 @@
     </p:spTree>
     <p:extLst>
       <p:ext uri="{BB962C8B-B14F-4D97-AF65-F5344CB8AC3E}">
-        <p14:creationId xmlns:p14="http://schemas.microsoft.com/office/powerpoint/2010/main" val="2826608365"/>
+        <p14:creationId xmlns:p14="http://schemas.microsoft.com/office/powerpoint/2010/main" val="3229424036"/>
       </p:ext>
     </p:extLst>
   </p:cSld>
@@ -3153,7 +3156,7 @@
     </p:spTree>
     <p:extLst>
       <p:ext uri="{BB962C8B-B14F-4D97-AF65-F5344CB8AC3E}">
-        <p14:creationId xmlns:p14="http://schemas.microsoft.com/office/powerpoint/2010/main" val="805470391"/>
+        <p14:creationId xmlns:p14="http://schemas.microsoft.com/office/powerpoint/2010/main" val="1704606728"/>
       </p:ext>
     </p:extLst>
   </p:cSld>
@@ -3237,7 +3240,7 @@
     </p:spTree>
     <p:extLst>
       <p:ext uri="{BB962C8B-B14F-4D97-AF65-F5344CB8AC3E}">
-        <p14:creationId xmlns:p14="http://schemas.microsoft.com/office/powerpoint/2010/main" val="1885222641"/>
+        <p14:creationId xmlns:p14="http://schemas.microsoft.com/office/powerpoint/2010/main" val="3608975843"/>
       </p:ext>
     </p:extLst>
   </p:cSld>
@@ -3274,12 +3277,7 @@
             <p:ph type="sldImg"/>
           </p:nvPr>
         </p:nvSpPr>
-        <p:spPr>
-          <a:xfrm>
-            <a:off x="381000" y="685800"/>
-            <a:ext cx="6096000" cy="3429000"/>
-          </a:xfrm>
-        </p:spPr>
+        <p:spPr/>
       </p:sp>
       <p:sp>
         <p:nvSpPr>
@@ -3293,9 +3291,7 @@
         </p:nvSpPr>
         <p:spPr/>
         <p:txBody>
-          <a:bodyPr>
-            <a:normAutofit/>
-          </a:bodyPr>
+          <a:bodyPr/>
           <a:lstStyle/>
           <a:p>
             <a:endParaRPr lang="en-US" dirty="0"/>
@@ -3304,43 +3300,77 @@
       </p:sp>
       <p:sp>
         <p:nvSpPr>
-          <p:cNvPr id="4" name="Header Placeholder 3"/>
+          <p:cNvPr id="4" name="Slide Number Placeholder 3"/>
           <p:cNvSpPr>
             <a:spLocks noGrp="1"/>
           </p:cNvSpPr>
           <p:nvPr>
-            <p:ph type="hdr" sz="quarter" idx="10"/>
+            <p:ph type="sldNum" sz="quarter" idx="10"/>
           </p:nvPr>
         </p:nvSpPr>
-        <p:spPr>
-          <a:xfrm>
-            <a:off x="0" y="0"/>
-            <a:ext cx="2971800" cy="457200"/>
-          </a:xfrm>
-          <a:prstGeom prst="rect">
-            <a:avLst/>
-          </a:prstGeom>
-        </p:spPr>
+        <p:spPr/>
         <p:txBody>
           <a:bodyPr/>
           <a:lstStyle/>
           <a:p>
-            <a:endParaRPr lang="en-US" dirty="0">
-              <a:solidFill>
-                <a:prstClr val="black"/>
-              </a:solidFill>
-            </a:endParaRPr>
+            <a:fld id="{0998D5BB-B127-481F-BC0A-2F77C576BB34}" type="slidenum">
+              <a:rPr lang="en-US" smtClean="0"/>
+              <a:t>43</a:t>
+            </a:fld>
+            <a:endParaRPr lang="en-US" dirty="0"/>
           </a:p>
         </p:txBody>
       </p:sp>
-      <p:sp>
-        <p:nvSpPr>
-          <p:cNvPr id="5" name="Date Placeholder 4"/>
+    </p:spTree>
+    <p:extLst>
+      <p:ext uri="{BB962C8B-B14F-4D97-AF65-F5344CB8AC3E}">
+        <p14:creationId xmlns:p14="http://schemas.microsoft.com/office/powerpoint/2010/main" val="2826608365"/>
+      </p:ext>
+    </p:extLst>
+  </p:cSld>
+  <p:clrMapOvr>
+    <a:masterClrMapping/>
+  </p:clrMapOvr>
+</p:notes>
+</file>
+
+<file path=ppt/notesSlides/notesSlide39.xml><?xml version="1.0" encoding="utf-8"?>
+<p:notes xmlns:a="http://schemas.openxmlformats.org/drawingml/2006/main" xmlns:r="http://schemas.openxmlformats.org/officeDocument/2006/relationships" xmlns:p="http://schemas.openxmlformats.org/presentationml/2006/main">
+  <p:cSld>
+    <p:spTree>
+      <p:nvGrpSpPr>
+        <p:cNvPr id="1" name=""/>
+        <p:cNvGrpSpPr/>
+        <p:nvPr/>
+      </p:nvGrpSpPr>
+      <p:grpSpPr>
+        <a:xfrm>
+          <a:off x="0" y="0"/>
+          <a:ext cx="0" cy="0"/>
+          <a:chOff x="0" y="0"/>
+          <a:chExt cx="0" cy="0"/>
+        </a:xfrm>
+      </p:grpSpPr>
+      <p:sp>
+        <p:nvSpPr>
+          <p:cNvPr id="2" name="Slide Image Placeholder 1"/>
+          <p:cNvSpPr>
+            <a:spLocks noGrp="1" noRot="1" noChangeAspect="1"/>
+          </p:cNvSpPr>
+          <p:nvPr>
+            <p:ph type="sldImg"/>
+          </p:nvPr>
+        </p:nvSpPr>
+        <p:spPr/>
+      </p:sp>
+      <p:sp>
+        <p:nvSpPr>
+          <p:cNvPr id="3" name="Notes Placeholder 2"/>
           <p:cNvSpPr>
             <a:spLocks noGrp="1"/>
           </p:cNvSpPr>
           <p:nvPr>
-            <p:ph type="dt" idx="11"/>
+            <p:ph type="body" idx="1"/>
           </p:nvPr>
         </p:nvSpPr>
         <p:spPr/>
@@ -3348,30 +3378,18 @@
           <a:bodyPr/>
           <a:lstStyle/>
           <a:p>
-            <a:fld id="{8AB9A6D4-FB34-4BDB-BA1E-7271914431FC}" type="datetime8">
-              <a:rPr lang="en-US" smtClean="0">
-                <a:solidFill>
-                  <a:prstClr val="black"/>
-                </a:solidFill>
-              </a:rPr>
-              <a:t>6/30/2021 5:28 PM</a:t>
-            </a:fld>
-            <a:endParaRPr lang="en-US" dirty="0">
-              <a:solidFill>
-                <a:prstClr val="black"/>
-              </a:solidFill>
-            </a:endParaRPr>
+            <a:endParaRPr lang="en-US" dirty="0"/>
           </a:p>
         </p:txBody>
       </p:sp>
       <p:sp>
         <p:nvSpPr>
-          <p:cNvPr id="7" name="Slide Number Placeholder 6"/>
+          <p:cNvPr id="4" name="Slide Number Placeholder 3"/>
           <p:cNvSpPr>
             <a:spLocks noGrp="1"/>
           </p:cNvSpPr>
           <p:nvPr>
-            <p:ph type="sldNum" sz="quarter" idx="13"/>
+            <p:ph type="sldNum" sz="quarter" idx="10"/>
           </p:nvPr>
         </p:nvSpPr>
         <p:spPr/>
@@ -3379,27 +3397,18 @@
           <a:bodyPr/>
           <a:lstStyle/>
           <a:p>
-            <a:fld id="{EC87E0CF-87F6-4B58-B8B8-DCAB2DAAF3CA}" type="slidenum">
-              <a:rPr lang="en-US" smtClean="0">
-                <a:solidFill>
-                  <a:prstClr val="black"/>
-                </a:solidFill>
-              </a:rPr>
-              <a:pPr/>
+            <a:fld id="{0998D5BB-B127-481F-BC0A-2F77C576BB34}" type="slidenum">
+              <a:rPr lang="en-US" smtClean="0"/>
               <a:t>44</a:t>
             </a:fld>
-            <a:endParaRPr lang="en-US" dirty="0">
-              <a:solidFill>
-                <a:prstClr val="black"/>
-              </a:solidFill>
-            </a:endParaRPr>
+            <a:endParaRPr lang="en-US" dirty="0"/>
           </a:p>
         </p:txBody>
       </p:sp>
     </p:spTree>
     <p:extLst>
       <p:ext uri="{BB962C8B-B14F-4D97-AF65-F5344CB8AC3E}">
-        <p14:creationId xmlns:p14="http://schemas.microsoft.com/office/powerpoint/2010/main" val="4011344012"/>
+        <p14:creationId xmlns:p14="http://schemas.microsoft.com/office/powerpoint/2010/main" val="805470391"/>
       </p:ext>
     </p:extLst>
   </p:cSld>
@@ -3484,6 +3493,252 @@
     <p:extLst>
       <p:ext uri="{BB962C8B-B14F-4D97-AF65-F5344CB8AC3E}">
         <p14:creationId xmlns:p14="http://schemas.microsoft.com/office/powerpoint/2010/main" val="767710843"/>
+      </p:ext>
+    </p:extLst>
+  </p:cSld>
+  <p:clrMapOvr>
+    <a:masterClrMapping/>
+  </p:clrMapOvr>
+</p:notes>
+</file>
+
+<file path=ppt/notesSlides/notesSlide40.xml><?xml version="1.0" encoding="utf-8"?>
+<p:notes xmlns:a="http://schemas.openxmlformats.org/drawingml/2006/main" xmlns:r="http://schemas.openxmlformats.org/officeDocument/2006/relationships" xmlns:p="http://schemas.openxmlformats.org/presentationml/2006/main">
+  <p:cSld>
+    <p:spTree>
+      <p:nvGrpSpPr>
+        <p:cNvPr id="1" name=""/>
+        <p:cNvGrpSpPr/>
+        <p:nvPr/>
+      </p:nvGrpSpPr>
+      <p:grpSpPr>
+        <a:xfrm>
+          <a:off x="0" y="0"/>
+          <a:ext cx="0" cy="0"/>
+          <a:chOff x="0" y="0"/>
+          <a:chExt cx="0" cy="0"/>
+        </a:xfrm>
+      </p:grpSpPr>
+      <p:sp>
+        <p:nvSpPr>
+          <p:cNvPr id="2" name="Slide Image Placeholder 1"/>
+          <p:cNvSpPr>
+            <a:spLocks noGrp="1" noRot="1" noChangeAspect="1"/>
+          </p:cNvSpPr>
+          <p:nvPr>
+            <p:ph type="sldImg"/>
+          </p:nvPr>
+        </p:nvSpPr>
+        <p:spPr/>
+      </p:sp>
+      <p:sp>
+        <p:nvSpPr>
+          <p:cNvPr id="3" name="Notes Placeholder 2"/>
+          <p:cNvSpPr>
+            <a:spLocks noGrp="1"/>
+          </p:cNvSpPr>
+          <p:nvPr>
+            <p:ph type="body" idx="1"/>
+          </p:nvPr>
+        </p:nvSpPr>
+        <p:spPr/>
+        <p:txBody>
+          <a:bodyPr/>
+          <a:lstStyle/>
+          <a:p>
+            <a:endParaRPr lang="en-US" dirty="0"/>
+          </a:p>
+        </p:txBody>
+      </p:sp>
+      <p:sp>
+        <p:nvSpPr>
+          <p:cNvPr id="4" name="Slide Number Placeholder 3"/>
+          <p:cNvSpPr>
+            <a:spLocks noGrp="1"/>
+          </p:cNvSpPr>
+          <p:nvPr>
+            <p:ph type="sldNum" sz="quarter" idx="10"/>
+          </p:nvPr>
+        </p:nvSpPr>
+        <p:spPr/>
+        <p:txBody>
+          <a:bodyPr/>
+          <a:lstStyle/>
+          <a:p>
+            <a:fld id="{0998D5BB-B127-481F-BC0A-2F77C576BB34}" type="slidenum">
+              <a:rPr lang="en-US" smtClean="0"/>
+              <a:t>45</a:t>
+            </a:fld>
+            <a:endParaRPr lang="en-US" dirty="0"/>
+          </a:p>
+        </p:txBody>
+      </p:sp>
+    </p:spTree>
+    <p:extLst>
+      <p:ext uri="{BB962C8B-B14F-4D97-AF65-F5344CB8AC3E}">
+        <p14:creationId xmlns:p14="http://schemas.microsoft.com/office/powerpoint/2010/main" val="1885222641"/>
+      </p:ext>
+    </p:extLst>
+  </p:cSld>
+  <p:clrMapOvr>
+    <a:masterClrMapping/>
+  </p:clrMapOvr>
+</p:notes>
+</file>
+
+<file path=ppt/notesSlides/notesSlide41.xml><?xml version="1.0" encoding="utf-8"?>
+<p:notes xmlns:a="http://schemas.openxmlformats.org/drawingml/2006/main" xmlns:r="http://schemas.openxmlformats.org/officeDocument/2006/relationships" xmlns:p="http://schemas.openxmlformats.org/presentationml/2006/main">
+  <p:cSld>
+    <p:spTree>
+      <p:nvGrpSpPr>
+        <p:cNvPr id="1" name=""/>
+        <p:cNvGrpSpPr/>
+        <p:nvPr/>
+      </p:nvGrpSpPr>
+      <p:grpSpPr>
+        <a:xfrm>
+          <a:off x="0" y="0"/>
+          <a:ext cx="0" cy="0"/>
+          <a:chOff x="0" y="0"/>
+          <a:chExt cx="0" cy="0"/>
+        </a:xfrm>
+      </p:grpSpPr>
+      <p:sp>
+        <p:nvSpPr>
+          <p:cNvPr id="2" name="Slide Image Placeholder 1"/>
+          <p:cNvSpPr>
+            <a:spLocks noGrp="1" noRot="1" noChangeAspect="1"/>
+          </p:cNvSpPr>
+          <p:nvPr>
+            <p:ph type="sldImg"/>
+          </p:nvPr>
+        </p:nvSpPr>
+        <p:spPr>
+          <a:xfrm>
+            <a:off x="381000" y="685800"/>
+            <a:ext cx="6096000" cy="3429000"/>
+          </a:xfrm>
+        </p:spPr>
+      </p:sp>
+      <p:sp>
+        <p:nvSpPr>
+          <p:cNvPr id="3" name="Notes Placeholder 2"/>
+          <p:cNvSpPr>
+            <a:spLocks noGrp="1"/>
+          </p:cNvSpPr>
+          <p:nvPr>
+            <p:ph type="body" idx="1"/>
+          </p:nvPr>
+        </p:nvSpPr>
+        <p:spPr/>
+        <p:txBody>
+          <a:bodyPr>
+            <a:normAutofit/>
+          </a:bodyPr>
+          <a:lstStyle/>
+          <a:p>
+            <a:endParaRPr lang="en-US" dirty="0"/>
+          </a:p>
+        </p:txBody>
+      </p:sp>
+      <p:sp>
+        <p:nvSpPr>
+          <p:cNvPr id="4" name="Header Placeholder 3"/>
+          <p:cNvSpPr>
+            <a:spLocks noGrp="1"/>
+          </p:cNvSpPr>
+          <p:nvPr>
+            <p:ph type="hdr" sz="quarter" idx="10"/>
+          </p:nvPr>
+        </p:nvSpPr>
+        <p:spPr>
+          <a:xfrm>
+            <a:off x="0" y="0"/>
+            <a:ext cx="2971800" cy="457200"/>
+          </a:xfrm>
+          <a:prstGeom prst="rect">
+            <a:avLst/>
+          </a:prstGeom>
+        </p:spPr>
+        <p:txBody>
+          <a:bodyPr/>
+          <a:lstStyle/>
+          <a:p>
+            <a:endParaRPr lang="en-US" dirty="0">
+              <a:solidFill>
+                <a:prstClr val="black"/>
+              </a:solidFill>
+            </a:endParaRPr>
+          </a:p>
+        </p:txBody>
+      </p:sp>
+      <p:sp>
+        <p:nvSpPr>
+          <p:cNvPr id="5" name="Date Placeholder 4"/>
+          <p:cNvSpPr>
+            <a:spLocks noGrp="1"/>
+          </p:cNvSpPr>
+          <p:nvPr>
+            <p:ph type="dt" idx="11"/>
+          </p:nvPr>
+        </p:nvSpPr>
+        <p:spPr/>
+        <p:txBody>
+          <a:bodyPr/>
+          <a:lstStyle/>
+          <a:p>
+            <a:fld id="{8AB9A6D4-FB34-4BDB-BA1E-7271914431FC}" type="datetime8">
+              <a:rPr lang="en-US" smtClean="0">
+                <a:solidFill>
+                  <a:prstClr val="black"/>
+                </a:solidFill>
+              </a:rPr>
+              <a:t>7/12/2021 8:30 AM</a:t>
+            </a:fld>
+            <a:endParaRPr lang="en-US" dirty="0">
+              <a:solidFill>
+                <a:prstClr val="black"/>
+              </a:solidFill>
+            </a:endParaRPr>
+          </a:p>
+        </p:txBody>
+      </p:sp>
+      <p:sp>
+        <p:nvSpPr>
+          <p:cNvPr id="7" name="Slide Number Placeholder 6"/>
+          <p:cNvSpPr>
+            <a:spLocks noGrp="1"/>
+          </p:cNvSpPr>
+          <p:nvPr>
+            <p:ph type="sldNum" sz="quarter" idx="13"/>
+          </p:nvPr>
+        </p:nvSpPr>
+        <p:spPr/>
+        <p:txBody>
+          <a:bodyPr/>
+          <a:lstStyle/>
+          <a:p>
+            <a:fld id="{EC87E0CF-87F6-4B58-B8B8-DCAB2DAAF3CA}" type="slidenum">
+              <a:rPr lang="en-US" smtClean="0">
+                <a:solidFill>
+                  <a:prstClr val="black"/>
+                </a:solidFill>
+              </a:rPr>
+              <a:pPr/>
+              <a:t>47</a:t>
+            </a:fld>
+            <a:endParaRPr lang="en-US" dirty="0">
+              <a:solidFill>
+                <a:prstClr val="black"/>
+              </a:solidFill>
+            </a:endParaRPr>
+          </a:p>
+        </p:txBody>
+      </p:sp>
+    </p:spTree>
+    <p:extLst>
+      <p:ext uri="{BB962C8B-B14F-4D97-AF65-F5344CB8AC3E}">
+        <p14:creationId xmlns:p14="http://schemas.microsoft.com/office/powerpoint/2010/main" val="4011344012"/>
       </p:ext>
     </p:extLst>
   </p:cSld>
@@ -16371,7 +16626,7 @@
       </p:sp>
       <p:pic>
         <p:nvPicPr>
-          <p:cNvPr id="4" name="Picture 3">
+          <p:cNvPr id="4" name="Picture 3" descr="Diagram illustrating SAP on Azure scenarios and benefits.">
             <a:extLst>
               <a:ext uri="{FF2B5EF4-FFF2-40B4-BE49-F238E27FC236}">
                 <a16:creationId xmlns:a16="http://schemas.microsoft.com/office/drawing/2014/main" id="{36338A4A-860B-4451-B879-711EEDF2F7C1}"/>
@@ -16391,7 +16646,7 @@
         </p:blipFill>
         <p:spPr>
           <a:xfrm>
-            <a:off x="1117337" y="1047605"/>
+            <a:off x="412487" y="1069099"/>
             <a:ext cx="10236726" cy="5651790"/>
           </a:xfrm>
           <a:prstGeom prst="rect">
@@ -16462,7 +16717,7 @@
       </p:sp>
       <p:pic>
         <p:nvPicPr>
-          <p:cNvPr id="4" name="Picture 3">
+          <p:cNvPr id="4" name="Picture 3" descr="Diagram illustrating a transformative shift fueled by cloud, data, and AI.">
             <a:extLst>
               <a:ext uri="{FF2B5EF4-FFF2-40B4-BE49-F238E27FC236}">
                 <a16:creationId xmlns:a16="http://schemas.microsoft.com/office/drawing/2014/main" id="{3831FE5A-FFC4-436D-93E2-11A25A54539A}"/>
@@ -16482,7 +16737,7 @@
         </p:blipFill>
         <p:spPr>
           <a:xfrm>
-            <a:off x="1098287" y="1088885"/>
+            <a:off x="450587" y="1088159"/>
             <a:ext cx="10224025" cy="5442230"/>
           </a:xfrm>
           <a:prstGeom prst="rect">
@@ -16553,7 +16808,7 @@
       </p:sp>
       <p:pic>
         <p:nvPicPr>
-          <p:cNvPr id="4" name="Picture 3">
+          <p:cNvPr id="4" name="Picture 3" descr="Diagram illustrating drivers for migrating SAP to the cloud.">
             <a:extLst>
               <a:ext uri="{FF2B5EF4-FFF2-40B4-BE49-F238E27FC236}">
                 <a16:creationId xmlns:a16="http://schemas.microsoft.com/office/drawing/2014/main" id="{EAA13FC6-C3DA-40F7-BA6D-F2677DA6B0FB}"/>
@@ -16573,7 +16828,7 @@
         </p:blipFill>
         <p:spPr>
           <a:xfrm>
-            <a:off x="1101456" y="1104759"/>
+            <a:off x="453756" y="1107208"/>
             <a:ext cx="10471688" cy="5461281"/>
           </a:xfrm>
           <a:prstGeom prst="rect">
@@ -16644,7 +16899,7 @@
       </p:sp>
       <p:pic>
         <p:nvPicPr>
-          <p:cNvPr id="4" name="Picture 3">
+          <p:cNvPr id="4" name="Picture 3" descr="Diagram illustrating cost savings with Azure.">
             <a:extLst>
               <a:ext uri="{FF2B5EF4-FFF2-40B4-BE49-F238E27FC236}">
                 <a16:creationId xmlns:a16="http://schemas.microsoft.com/office/drawing/2014/main" id="{FDC3DDA9-1DC1-49E6-9D04-CE0E04457D2F}"/>
@@ -16664,7 +16919,7 @@
         </p:blipFill>
         <p:spPr>
           <a:xfrm>
-            <a:off x="1072899" y="1104761"/>
+            <a:off x="482349" y="1119911"/>
             <a:ext cx="9766802" cy="5410478"/>
           </a:xfrm>
           <a:prstGeom prst="rect">
@@ -16735,7 +16990,7 @@
       </p:sp>
       <p:pic>
         <p:nvPicPr>
-          <p:cNvPr id="4" name="Picture 3">
+          <p:cNvPr id="4" name="Picture 3" descr="Diagram illustrating Azure IoT lambda architecture.">
             <a:extLst>
               <a:ext uri="{FF2B5EF4-FFF2-40B4-BE49-F238E27FC236}">
                 <a16:creationId xmlns:a16="http://schemas.microsoft.com/office/drawing/2014/main" id="{B48EE864-91EC-4C43-BC3A-B9F646A0532C}"/>
@@ -16755,7 +17010,7 @@
         </p:blipFill>
         <p:spPr>
           <a:xfrm>
-            <a:off x="1152288" y="1095242"/>
+            <a:off x="466488" y="1095242"/>
             <a:ext cx="9227024" cy="5150115"/>
           </a:xfrm>
           <a:prstGeom prst="rect">
@@ -16838,7 +17093,7 @@
         </p:nvGrpSpPr>
         <p:grpSpPr>
           <a:xfrm>
-            <a:off x="584989" y="-1083585"/>
+            <a:off x="375439" y="-950235"/>
             <a:ext cx="12460667" cy="7410839"/>
             <a:chOff x="584989" y="-1172485"/>
             <a:chExt cx="12460667" cy="7410839"/>
@@ -16918,7 +17173,7 @@
         </p:sp>
         <p:pic>
           <p:nvPicPr>
-            <p:cNvPr id="52" name="Graphic 51">
+            <p:cNvPr id="52" name="Graphic 51" descr="Diagram illustrating integration of Microsoft Intelligent Edge with SAP Business Context.">
               <a:extLst>
                 <a:ext uri="{FF2B5EF4-FFF2-40B4-BE49-F238E27FC236}">
                   <a16:creationId xmlns:a16="http://schemas.microsoft.com/office/drawing/2014/main" id="{534EA6E9-57EC-4162-BD9B-B99150D05337}"/>
@@ -20847,10 +21102,10 @@
       </p:sp>
       <p:pic>
         <p:nvPicPr>
-          <p:cNvPr id="4" name="Picture 3">
+          <p:cNvPr id="3" name="Picture 2" descr="Diagram illustrating the preferred solution.">
             <a:extLst>
               <a:ext uri="{FF2B5EF4-FFF2-40B4-BE49-F238E27FC236}">
-                <a16:creationId xmlns:a16="http://schemas.microsoft.com/office/drawing/2014/main" id="{FA7CEA39-8BA2-4110-8C3D-D168AC685C09}"/>
+                <a16:creationId xmlns:a16="http://schemas.microsoft.com/office/drawing/2014/main" id="{509A58F5-EE34-4E69-B95D-F8F00D5968C0}"/>
               </a:ext>
             </a:extLst>
           </p:cNvPr>
@@ -20867,8 +21122,8 @@
         </p:blipFill>
         <p:spPr>
           <a:xfrm>
-            <a:off x="1827097" y="1046768"/>
-            <a:ext cx="8537805" cy="5595193"/>
+            <a:off x="463550" y="1121479"/>
+            <a:ext cx="9125204" cy="5447010"/>
           </a:xfrm>
           <a:prstGeom prst="rect">
             <a:avLst/>
@@ -20936,7 +21191,7 @@
           <a:p>
             <a:r>
               <a:rPr lang="en-US" dirty="0"/>
-              <a:t>Azure IoT Intelligent Edge</a:t>
+              <a:t>Ingestion and Integration (IoT)</a:t>
             </a:r>
             <a:endParaRPr lang="en-IE" dirty="0"/>
           </a:p>
@@ -21198,7 +21453,7 @@
           <a:p>
             <a:r>
               <a:rPr lang="en-US" dirty="0"/>
-              <a:t>Data Ingestion (IoT)</a:t>
+              <a:t>Azure IoT Hub</a:t>
             </a:r>
             <a:endParaRPr lang="en-IE" dirty="0"/>
           </a:p>
@@ -21300,46 +21555,75 @@
           <a:p>
             <a:r>
               <a:rPr lang="en-US" dirty="0"/>
-              <a:t>Data Ingestion Diagram (IoT)</a:t>
+              <a:t>Ingestion and Integration (Logic Apps)</a:t>
             </a:r>
             <a:endParaRPr lang="en-IE" dirty="0"/>
           </a:p>
         </p:txBody>
       </p:sp>
-      <p:pic>
-        <p:nvPicPr>
-          <p:cNvPr id="4" name="Picture 3">
+      <p:sp>
+        <p:nvSpPr>
+          <p:cNvPr id="11" name="Text Placeholder 10">
             <a:extLst>
               <a:ext uri="{FF2B5EF4-FFF2-40B4-BE49-F238E27FC236}">
-                <a16:creationId xmlns:a16="http://schemas.microsoft.com/office/drawing/2014/main" id="{3C3A2003-508B-4B05-A3E1-FA45EB37E19C}"/>
+                <a16:creationId xmlns:a16="http://schemas.microsoft.com/office/drawing/2014/main" id="{E05F6E7B-06CE-4C18-8FB6-EAFA044E0103}"/>
               </a:ext>
             </a:extLst>
           </p:cNvPr>
-          <p:cNvPicPr>
-            <a:picLocks noChangeAspect="1"/>
-          </p:cNvPicPr>
-          <p:nvPr/>
-        </p:nvPicPr>
-        <p:blipFill>
-          <a:blip r:embed="rId3"/>
-          <a:stretch>
-            <a:fillRect/>
-          </a:stretch>
-        </p:blipFill>
+          <p:cNvSpPr>
+            <a:spLocks noGrp="1"/>
+          </p:cNvSpPr>
+          <p:nvPr>
+            <p:ph type="body" sz="quarter" idx="10"/>
+          </p:nvPr>
+        </p:nvSpPr>
         <p:spPr>
           <a:xfrm>
-            <a:off x="1099506" y="1151075"/>
-            <a:ext cx="10017343" cy="5379313"/>
+            <a:off x="269238" y="1397843"/>
+            <a:ext cx="11653523" cy="3388620"/>
           </a:xfrm>
-          <a:prstGeom prst="rect">
-            <a:avLst/>
-          </a:prstGeom>
         </p:spPr>
-      </p:pic>
+        <p:txBody>
+          <a:bodyPr/>
+          <a:lstStyle/>
+          <a:p>
+            <a:r>
+              <a:rPr lang="en-US" sz="2000" dirty="0">
+                <a:latin typeface="+mn-lt"/>
+              </a:rPr>
+              <a:t>Azure Logic Apps simplify authoring and implementation of trigger-driven integration workflows that leverage a visual designer and 250+ connectors, including a bi-directional connector for SAP. The connector is compatible with o</a:t>
+            </a:r>
+            <a:r>
+              <a:rPr lang="en-US" sz="1800" dirty="0">
+                <a:latin typeface="+mn-lt"/>
+              </a:rPr>
+              <a:t>n-premises and cloud-based HANA-based SAP systems, such as S/4 HANA, as well as with classic on-premises SAP systems, such as R/3 and ECC.</a:t>
+            </a:r>
+          </a:p>
+          <a:p>
+            <a:endParaRPr lang="en-US" sz="2000" dirty="0">
+              <a:latin typeface="+mn-lt"/>
+            </a:endParaRPr>
+          </a:p>
+          <a:p>
+            <a:r>
+              <a:rPr lang="en-US" sz="2000" dirty="0">
+                <a:latin typeface="+mn-lt"/>
+              </a:rPr>
+              <a:t>The SAP connector supports integration between non-SAP application and SAP systems through IDoc, BAPI, or RFC. For example, you can create a relatively simple Logic App that reads tweets, analyzes their text by employing Cognitive Services' Sentiment Analysis, and uses the SAP connector to store the outcome in a HANA DB. Logic Apps can also provide conditional workflow management, passing messages to downstream targets, such as a call handler, notification hub, or email, a tweet, or a chatbot. </a:t>
+            </a:r>
+          </a:p>
+          <a:p>
+            <a:endParaRPr lang="en-US" sz="2000" dirty="0">
+              <a:latin typeface="+mn-lt"/>
+            </a:endParaRPr>
+          </a:p>
+        </p:txBody>
+      </p:sp>
     </p:spTree>
     <p:extLst>
       <p:ext uri="{BB962C8B-B14F-4D97-AF65-F5344CB8AC3E}">
-        <p14:creationId xmlns:p14="http://schemas.microsoft.com/office/powerpoint/2010/main" val="4040317346"/>
+        <p14:creationId xmlns:p14="http://schemas.microsoft.com/office/powerpoint/2010/main" val="359540593"/>
       </p:ext>
     </p:extLst>
   </p:cSld>
@@ -21397,51 +21681,46 @@
           <a:p>
             <a:r>
               <a:rPr lang="en-US" dirty="0"/>
-              <a:t>Data Ingestion (Social Media)</a:t>
+              <a:t>Ingestion and Integration Diagram (IoT)</a:t>
             </a:r>
             <a:endParaRPr lang="en-IE" dirty="0"/>
           </a:p>
         </p:txBody>
       </p:sp>
-      <p:sp>
-        <p:nvSpPr>
-          <p:cNvPr id="11" name="Text Placeholder 10">
+      <p:pic>
+        <p:nvPicPr>
+          <p:cNvPr id="4" name="Picture 3" descr="Diagram illustrating an Azure data pipeline that leverages Azure IoT intelligent edge.">
             <a:extLst>
               <a:ext uri="{FF2B5EF4-FFF2-40B4-BE49-F238E27FC236}">
-                <a16:creationId xmlns:a16="http://schemas.microsoft.com/office/drawing/2014/main" id="{E05F6E7B-06CE-4C18-8FB6-EAFA044E0103}"/>
+                <a16:creationId xmlns:a16="http://schemas.microsoft.com/office/drawing/2014/main" id="{3C3A2003-508B-4B05-A3E1-FA45EB37E19C}"/>
               </a:ext>
             </a:extLst>
           </p:cNvPr>
-          <p:cNvSpPr>
-            <a:spLocks noGrp="1"/>
-          </p:cNvSpPr>
-          <p:nvPr>
-            <p:ph type="body" sz="quarter" idx="10"/>
-          </p:nvPr>
-        </p:nvSpPr>
+          <p:cNvPicPr>
+            <a:picLocks noChangeAspect="1"/>
+          </p:cNvPicPr>
+          <p:nvPr/>
+        </p:nvPicPr>
+        <p:blipFill>
+          <a:blip r:embed="rId3"/>
+          <a:stretch>
+            <a:fillRect/>
+          </a:stretch>
+        </p:blipFill>
         <p:spPr>
           <a:xfrm>
-            <a:off x="269238" y="1397843"/>
-            <a:ext cx="11653523" cy="2123658"/>
+            <a:off x="451806" y="1100275"/>
+            <a:ext cx="10017343" cy="5379313"/>
           </a:xfrm>
+          <a:prstGeom prst="rect">
+            <a:avLst/>
+          </a:prstGeom>
         </p:spPr>
-        <p:txBody>
-          <a:bodyPr/>
-          <a:lstStyle/>
-          <a:p>
-            <a:r>
-              <a:rPr lang="en-US" sz="2000" dirty="0">
-                <a:latin typeface="+mn-lt"/>
-              </a:rPr>
-              <a:t>In addition, business and customer data from sources such as social media postings, third party applications, and external sites can be ingested by using services such as Event Hub, parsed by Stream Analytics, aggregated into Azure Blob Storage or Azure Data Lake, and, subsequently, processed and analyzed by Azure Synapse Analytics, Azure HDInsight, or Azure Data Lake Analytics. At various points of the data path, you have the option to leverage Cognitive Services and Azure Machine Learning models to offer even deeper understanding of what customers might be interested in, based on such criteria as consumer sentiment or social media trending.</a:t>
-            </a:r>
-          </a:p>
-        </p:txBody>
-      </p:sp>
+      </p:pic>
     </p:spTree>
     <p:extLst>
       <p:ext uri="{BB962C8B-B14F-4D97-AF65-F5344CB8AC3E}">
-        <p14:creationId xmlns:p14="http://schemas.microsoft.com/office/powerpoint/2010/main" val="161412278"/>
+        <p14:creationId xmlns:p14="http://schemas.microsoft.com/office/powerpoint/2010/main" val="4040317346"/>
       </p:ext>
     </p:extLst>
   </p:cSld>
@@ -21499,46 +21778,64 @@
           <a:p>
             <a:r>
               <a:rPr lang="en-US" dirty="0"/>
-              <a:t>Data Ingestion Diagram (Social Media)</a:t>
+              <a:t>Ingestion and Integration (Social Media)</a:t>
             </a:r>
             <a:endParaRPr lang="en-IE" dirty="0"/>
           </a:p>
         </p:txBody>
       </p:sp>
-      <p:pic>
-        <p:nvPicPr>
-          <p:cNvPr id="4" name="Picture 3">
+      <p:sp>
+        <p:nvSpPr>
+          <p:cNvPr id="11" name="Text Placeholder 10">
             <a:extLst>
               <a:ext uri="{FF2B5EF4-FFF2-40B4-BE49-F238E27FC236}">
-                <a16:creationId xmlns:a16="http://schemas.microsoft.com/office/drawing/2014/main" id="{B7D399DE-D182-4F1F-8F5C-2F7AF07075C8}"/>
+                <a16:creationId xmlns:a16="http://schemas.microsoft.com/office/drawing/2014/main" id="{E05F6E7B-06CE-4C18-8FB6-EAFA044E0103}"/>
               </a:ext>
             </a:extLst>
           </p:cNvPr>
-          <p:cNvPicPr>
-            <a:picLocks noChangeAspect="1"/>
-          </p:cNvPicPr>
-          <p:nvPr/>
-        </p:nvPicPr>
-        <p:blipFill>
-          <a:blip r:embed="rId3"/>
-          <a:stretch>
-            <a:fillRect/>
-          </a:stretch>
-        </p:blipFill>
+          <p:cNvSpPr>
+            <a:spLocks noGrp="1"/>
+          </p:cNvSpPr>
+          <p:nvPr>
+            <p:ph type="body" sz="quarter" idx="10"/>
+          </p:nvPr>
+        </p:nvSpPr>
         <p:spPr>
           <a:xfrm>
-            <a:off x="1622203" y="1151658"/>
-            <a:ext cx="8642794" cy="5467631"/>
+            <a:off x="269238" y="1397843"/>
+            <a:ext cx="11653523" cy="3908762"/>
           </a:xfrm>
-          <a:prstGeom prst="rect">
-            <a:avLst/>
-          </a:prstGeom>
         </p:spPr>
-      </p:pic>
+        <p:txBody>
+          <a:bodyPr/>
+          <a:lstStyle/>
+          <a:p>
+            <a:r>
+              <a:rPr lang="en-US" sz="2000" dirty="0">
+                <a:latin typeface="+mn-lt"/>
+              </a:rPr>
+              <a:t>In addition, business and customer data from sources such as social media postings, third party applications, and external sites can be ingested by using services such as Event Hub, parsed by Stream Analytics, aggregated into Azure Blob Storage or Azure Data Lake, and, subsequently, processed and analyzed by Azure Synapse Analytics, Azure HDInsight, or Azure Data Lake Analytics. At various points of the data path, you have the option to leverage Cognitive Services and Azure Machine Learning models to offer even deeper understanding of what customers might be interested in, based on such criteria as consumer sentiment or social media trending.</a:t>
+            </a:r>
+          </a:p>
+          <a:p>
+            <a:endParaRPr lang="en-US" sz="2000" dirty="0">
+              <a:latin typeface="+mn-lt"/>
+            </a:endParaRPr>
+          </a:p>
+          <a:p>
+            <a:r>
+              <a:rPr lang="en-US" sz="2000" dirty="0">
+                <a:latin typeface="+mn-lt"/>
+              </a:rPr>
+              <a:t>For integration purposes, you can take advantage of Azure Logic Apps or use Azure Data Factory as part of pipeline for social media feeds, transferring and manipulating data between Azure Blob Storage, Data Lake Store, or delivering it directly to SAP HANA. Azure Data Factory also allows you to extract data from SAP HANA and SAP Business Warehouse (BW) into Azure data stores, such as Azure Blob Storage and Azure Data Lake to facilitate implementation of advanced analytics with Azure Synapse Analytics.</a:t>
+            </a:r>
+          </a:p>
+        </p:txBody>
+      </p:sp>
     </p:spTree>
     <p:extLst>
       <p:ext uri="{BB962C8B-B14F-4D97-AF65-F5344CB8AC3E}">
-        <p14:creationId xmlns:p14="http://schemas.microsoft.com/office/powerpoint/2010/main" val="1087819899"/>
+        <p14:creationId xmlns:p14="http://schemas.microsoft.com/office/powerpoint/2010/main" val="161412278"/>
       </p:ext>
     </p:extLst>
   </p:cSld>
@@ -21771,39 +22068,10 @@
             <p:ph type="title"/>
           </p:nvPr>
         </p:nvSpPr>
-        <p:spPr/>
-        <p:txBody>
-          <a:bodyPr/>
-          <a:lstStyle/>
-          <a:p>
-            <a:r>
-              <a:rPr lang="en-US" dirty="0"/>
-              <a:t>Data integration</a:t>
-            </a:r>
-            <a:endParaRPr lang="en-IE" dirty="0"/>
-          </a:p>
-        </p:txBody>
-      </p:sp>
-      <p:sp>
-        <p:nvSpPr>
-          <p:cNvPr id="11" name="Text Placeholder 10">
-            <a:extLst>
-              <a:ext uri="{FF2B5EF4-FFF2-40B4-BE49-F238E27FC236}">
-                <a16:creationId xmlns:a16="http://schemas.microsoft.com/office/drawing/2014/main" id="{E05F6E7B-06CE-4C18-8FB6-EAFA044E0103}"/>
-              </a:ext>
-            </a:extLst>
-          </p:cNvPr>
-          <p:cNvSpPr>
-            <a:spLocks noGrp="1"/>
-          </p:cNvSpPr>
-          <p:nvPr>
-            <p:ph type="body" sz="quarter" idx="10"/>
-          </p:nvPr>
-        </p:nvSpPr>
         <p:spPr>
           <a:xfrm>
-            <a:off x="269238" y="1397843"/>
-            <a:ext cx="11653523" cy="5872377"/>
+            <a:off x="256540" y="289511"/>
+            <a:ext cx="11986260" cy="899665"/>
           </a:xfrm>
         </p:spPr>
         <p:txBody>
@@ -21811,78 +22079,47 @@
           <a:lstStyle/>
           <a:p>
             <a:r>
-              <a:rPr lang="en-US" sz="2000" dirty="0">
-                <a:latin typeface="+mn-lt"/>
-              </a:rPr>
-              <a:t>Azure Logic Apps simplify authoring and implementation of trigger-driven integration workflows that leverage a visual designer and 250+ connectors, including a bi-directional connector for SAP. The connector is compatible with:</a:t>
-            </a:r>
-          </a:p>
-          <a:p>
-            <a:endParaRPr lang="en-US" sz="2000" dirty="0">
-              <a:latin typeface="+mn-lt"/>
-            </a:endParaRPr>
-          </a:p>
-          <a:p>
-            <a:pPr marL="342900" indent="-342900">
-              <a:buFont typeface="Arial" panose="020B0604020202020204" pitchFamily="34" charset="0"/>
-              <a:buChar char="•"/>
-            </a:pPr>
-            <a:r>
-              <a:rPr lang="en-US" sz="1800" dirty="0">
-                <a:latin typeface="+mn-lt"/>
-              </a:rPr>
-              <a:t>On-premises and cloud-based HANA-based SAP systems, such as S/4 HANA.</a:t>
-            </a:r>
-          </a:p>
-          <a:p>
-            <a:pPr marL="342900" indent="-342900">
-              <a:buFont typeface="Arial" panose="020B0604020202020204" pitchFamily="34" charset="0"/>
-              <a:buChar char="•"/>
-            </a:pPr>
-            <a:r>
-              <a:rPr lang="en-US" sz="1800" dirty="0">
-                <a:latin typeface="+mn-lt"/>
-              </a:rPr>
-              <a:t>Classic on-premises SAP systems, such as R/3 and ECC.</a:t>
-            </a:r>
-          </a:p>
-          <a:p>
-            <a:endParaRPr lang="en-US" sz="2000" dirty="0">
-              <a:latin typeface="+mn-lt"/>
-            </a:endParaRPr>
-          </a:p>
-          <a:p>
-            <a:r>
-              <a:rPr lang="en-US" sz="2000" dirty="0">
-                <a:latin typeface="+mn-lt"/>
-              </a:rPr>
-              <a:t>The SAP connector supports integration between non-SAP application and SAP systems through IDoc, BAPI, or RFC. For example, you can create a relatively simple Logic App that reads tweets, analyzes their text by employing Cognitive Services' Sentiment Analysis, and uses the SAP connector to store the outcome in a HANA DB. Logic Apps can also provide conditional workflow management, passing messages to downstream targets, such as a call handler, notification hub, or email, a tweet, or a chatbot. </a:t>
-            </a:r>
-          </a:p>
-          <a:p>
-            <a:endParaRPr lang="en-US" sz="2000" dirty="0">
-              <a:latin typeface="+mn-lt"/>
-            </a:endParaRPr>
-          </a:p>
-          <a:p>
-            <a:r>
-              <a:rPr lang="en-US" sz="2000" dirty="0">
-                <a:latin typeface="+mn-lt"/>
-              </a:rPr>
-              <a:t>Alternatively, it is possible to build low-code apps and workflows by using Microsoft Power Platform, which includes SAP ERP connector that provides the equivalent functionality. For integration purposes, you can also take advantage of Azure Data Factory to extract data from SAP HANA and SAP BW into Azure data stores, such as Azure Blob Storage and Azure Data Lake for the purpose of advanced analytics with Azure Synapse Analytics. </a:t>
-            </a:r>
-          </a:p>
-          <a:p>
-            <a:endParaRPr lang="en-US" sz="2000" dirty="0">
-              <a:latin typeface="+mn-lt"/>
-            </a:endParaRPr>
+              <a:rPr lang="en-US" dirty="0"/>
+              <a:t>Ingestion and Integration Diagram (Social Media)</a:t>
+            </a:r>
+            <a:endParaRPr lang="en-IE" dirty="0"/>
           </a:p>
         </p:txBody>
       </p:sp>
+      <p:pic>
+        <p:nvPicPr>
+          <p:cNvPr id="3" name="Picture 2" descr="Diagram illustrating an Azure data pipeline that leverages social media.">
+            <a:extLst>
+              <a:ext uri="{FF2B5EF4-FFF2-40B4-BE49-F238E27FC236}">
+                <a16:creationId xmlns:a16="http://schemas.microsoft.com/office/drawing/2014/main" id="{A6DD4764-7238-4680-985D-E06D477D7194}"/>
+              </a:ext>
+            </a:extLst>
+          </p:cNvPr>
+          <p:cNvPicPr>
+            <a:picLocks noChangeAspect="1"/>
+          </p:cNvPicPr>
+          <p:nvPr/>
+        </p:nvPicPr>
+        <p:blipFill>
+          <a:blip r:embed="rId3"/>
+          <a:stretch>
+            <a:fillRect/>
+          </a:stretch>
+        </p:blipFill>
+        <p:spPr>
+          <a:xfrm>
+            <a:off x="444277" y="1151076"/>
+            <a:ext cx="8687246" cy="5518434"/>
+          </a:xfrm>
+          <a:prstGeom prst="rect">
+            <a:avLst/>
+          </a:prstGeom>
+        </p:spPr>
+      </p:pic>
     </p:spTree>
     <p:extLst>
       <p:ext uri="{BB962C8B-B14F-4D97-AF65-F5344CB8AC3E}">
-        <p14:creationId xmlns:p14="http://schemas.microsoft.com/office/powerpoint/2010/main" val="359540593"/>
+        <p14:creationId xmlns:p14="http://schemas.microsoft.com/office/powerpoint/2010/main" val="1087819899"/>
       </p:ext>
     </p:extLst>
   </p:cSld>
@@ -21940,7 +22177,7 @@
           <a:p>
             <a:r>
               <a:rPr lang="en-US" dirty="0"/>
-              <a:t>Data analytics</a:t>
+              <a:t>Ingestion and Integration (Power Platform)</a:t>
             </a:r>
             <a:endParaRPr lang="en-IE" dirty="0"/>
           </a:p>
@@ -21965,7 +22202,7 @@
         <p:spPr>
           <a:xfrm>
             <a:off x="269238" y="1397843"/>
-            <a:ext cx="11653523" cy="5816977"/>
+            <a:ext cx="11653523" cy="1292662"/>
           </a:xfrm>
         </p:spPr>
         <p:txBody>
@@ -21976,54 +22213,45 @@
               <a:rPr lang="en-US" sz="2000" dirty="0">
                 <a:latin typeface="+mn-lt"/>
               </a:rPr>
-              <a:t>The solution prepares data for analysis and then serves the processed data in a structured format that can be queried using analytical tools. The analytical data store used to serve these queries can be a relational data warehouse, which is part of the existing business intelligence solution. Alternatively, the data could be presented through a low-latency NoSQL technology such as HBase, or an interactive Hive database that provides a metadata abstraction over data files in the distributed data store. </a:t>
-            </a:r>
-          </a:p>
-          <a:p>
-            <a:endParaRPr lang="en-US" sz="2000" dirty="0">
-              <a:latin typeface="+mn-lt"/>
-            </a:endParaRPr>
-          </a:p>
-          <a:p>
-            <a:r>
-              <a:rPr lang="en-US" sz="2000" dirty="0">
-                <a:latin typeface="+mn-lt"/>
-              </a:rPr>
-              <a:t>Azure Synapse Analytics provides a managed service for large-scale, cloud-based data warehousing. Azure Synapse Analytics Spark tools are optimized for analyzing and transforming data for presentation. This analysis could reference data stored in Azure Cosmos DB. For example, Azure Synapse Link for Azure Cosmos DB enables you to run near real-time analytics over operational data in Cosmos DB. </a:t>
-            </a:r>
-          </a:p>
-          <a:p>
-            <a:endParaRPr lang="en-US" sz="2000" dirty="0">
-              <a:latin typeface="+mn-lt"/>
-            </a:endParaRPr>
-          </a:p>
-          <a:p>
-            <a:r>
-              <a:rPr lang="en-US" sz="2000" dirty="0">
-                <a:latin typeface="+mn-lt"/>
-              </a:rPr>
-              <a:t>To further enrich your data, you can combine data from your SAP databases with other systems pooled into Azure Data Lake. With Azure Synapse Analytics and Power BI dashboards, you are able to monitor supplier status, track inbound materials flows, and oversee logistics in real time. This also allows you to overlay operating status with external data such as road closures or inclement weather to identify potential problems before they might impact production schedules or customer deliveries. Combining market and demand data with your resource planning systems, you can further improve</a:t>
-            </a:r>
-          </a:p>
-          <a:p>
-            <a:r>
-              <a:rPr lang="en-US" sz="2000" dirty="0">
-                <a:latin typeface="+mn-lt"/>
-              </a:rPr>
-              <a:t>business forecasting.</a:t>
-            </a:r>
-          </a:p>
-          <a:p>
-            <a:endParaRPr lang="en-US" sz="2000" dirty="0">
-              <a:latin typeface="+mn-lt"/>
-            </a:endParaRPr>
+              <a:t>Alternatively, it is possible to build low-code apps and workflows by using Microsoft Power Platform that includes SAP ERP connector for Power Apps and Power Automate, which provides the equivalent functionality. The connector is certified by SAP for integration with SAP S/4HANA and SAP ERP and allows integration with SAP ERP systems via BAPIs and RFCs, including support for dynamic schemas. </a:t>
+            </a:r>
           </a:p>
         </p:txBody>
       </p:sp>
+      <p:pic>
+        <p:nvPicPr>
+          <p:cNvPr id="4" name="Picture 3" descr="Diagram illustrating a Power Platform flow that includes a SAP ERP connector.">
+            <a:extLst>
+              <a:ext uri="{FF2B5EF4-FFF2-40B4-BE49-F238E27FC236}">
+                <a16:creationId xmlns:a16="http://schemas.microsoft.com/office/drawing/2014/main" id="{E3153DD6-A1E9-417E-ACB5-1701A2AC7FD7}"/>
+              </a:ext>
+            </a:extLst>
+          </p:cNvPr>
+          <p:cNvPicPr>
+            <a:picLocks noChangeAspect="1"/>
+          </p:cNvPicPr>
+          <p:nvPr/>
+        </p:nvPicPr>
+        <p:blipFill>
+          <a:blip r:embed="rId3"/>
+          <a:stretch>
+            <a:fillRect/>
+          </a:stretch>
+        </p:blipFill>
+        <p:spPr>
+          <a:xfrm>
+            <a:off x="447425" y="2828147"/>
+            <a:ext cx="9696948" cy="3740342"/>
+          </a:xfrm>
+          <a:prstGeom prst="rect">
+            <a:avLst/>
+          </a:prstGeom>
+        </p:spPr>
+      </p:pic>
     </p:spTree>
     <p:extLst>
       <p:ext uri="{BB962C8B-B14F-4D97-AF65-F5344CB8AC3E}">
-        <p14:creationId xmlns:p14="http://schemas.microsoft.com/office/powerpoint/2010/main" val="3087009348"/>
+        <p14:creationId xmlns:p14="http://schemas.microsoft.com/office/powerpoint/2010/main" val="250067752"/>
       </p:ext>
     </p:extLst>
   </p:cSld>
@@ -22081,7 +22309,7 @@
           <a:p>
             <a:r>
               <a:rPr lang="en-US" dirty="0"/>
-              <a:t>Data analytics (continued)</a:t>
+              <a:t>Transformation and Processing</a:t>
             </a:r>
             <a:endParaRPr lang="en-IE" dirty="0"/>
           </a:p>
@@ -22106,7 +22334,7 @@
         <p:spPr>
           <a:xfrm>
             <a:off x="269238" y="1397843"/>
-            <a:ext cx="11653523" cy="3908762"/>
+            <a:ext cx="11653523" cy="2123658"/>
           </a:xfrm>
         </p:spPr>
         <p:txBody>
@@ -22117,20 +22345,7 @@
               <a:rPr lang="en-US" sz="2000" dirty="0">
                 <a:latin typeface="+mn-lt"/>
               </a:rPr>
-              <a:t>Another option that helps your further innovate the way you manage business data is Azure Anomaly Detector, which is part of Azure Cognitive Services. Anomaly Detector allows you to evaluate transactions, represented by time series data, across your entire SAP landscape in order to detect potential issues before they might have a negative impact. Based on incoming telemetry sources, the Anomaly Detector solution detects if there is a sudden change in creation or update processes. The detection algorithm can detect these issues automatically, in real time, and notify you in order to initiate a corrective action.</a:t>
-            </a:r>
-          </a:p>
-          <a:p>
-            <a:endParaRPr lang="en-US" sz="2000" dirty="0">
-              <a:latin typeface="+mn-lt"/>
-            </a:endParaRPr>
-          </a:p>
-          <a:p>
-            <a:r>
-              <a:rPr lang="en-US" sz="2000" dirty="0">
-                <a:latin typeface="+mn-lt"/>
-              </a:rPr>
-              <a:t>For example, Contoso could use Anomaly Detector to monitor changes to the Master Data Management (MDM) space, hosting objects representing business entities such as customers and business partners to detect and, optionally, remediate any unusual patterns. Similarly, Contoso could leverage Anomaly Detector to detect a sudden increase in online purchases of a particular product on its e‑commerce website. This would allow to take immediate actions to ensure product availability.</a:t>
+              <a:t>You have the option of combining SAP and non-SAP data sources for additional transformation and processing. This might involve long-running batch jobs to filter, aggregate, and prepare data for further analysis. Processing options include U-SQL jobs in Azure Data Lake Analytics, Hive, Pig, and custom Map/Reduce jobs in an HDInsight cluster, or Java, Scala, and Python programs in a Synapse Analytics Spark cluster. It is also possible to use Azure Data Factory to extract data from SAP HANA and SAP Business Warehouse (BW) into Azure data stores, such as Azure Blob Storage and Azure Data Lake to facilitate implementation of advanced analytics with Azure Synapse Analytics.</a:t>
             </a:r>
           </a:p>
         </p:txBody>
@@ -22138,7 +22353,7 @@
     </p:spTree>
     <p:extLst>
       <p:ext uri="{BB962C8B-B14F-4D97-AF65-F5344CB8AC3E}">
-        <p14:creationId xmlns:p14="http://schemas.microsoft.com/office/powerpoint/2010/main" val="2094805284"/>
+        <p14:creationId xmlns:p14="http://schemas.microsoft.com/office/powerpoint/2010/main" val="241486532"/>
       </p:ext>
     </p:extLst>
   </p:cSld>
@@ -22195,104 +22410,47 @@
           <a:lstStyle/>
           <a:p>
             <a:r>
-              <a:rPr lang="en-IE" dirty="0"/>
-              <a:t>Anomaly Detector</a:t>
-            </a:r>
+              <a:rPr lang="en-US" dirty="0"/>
+              <a:t>Transformation and Processing Diagram</a:t>
+            </a:r>
+            <a:endParaRPr lang="en-IE" dirty="0"/>
           </a:p>
         </p:txBody>
       </p:sp>
-      <p:sp>
-        <p:nvSpPr>
-          <p:cNvPr id="11" name="Text Placeholder 10">
+      <p:pic>
+        <p:nvPicPr>
+          <p:cNvPr id="3" name="Picture 2" descr="Diagram illustrating an Azure data pipeline that leverages SAP and non-SAP data sources.">
             <a:extLst>
               <a:ext uri="{FF2B5EF4-FFF2-40B4-BE49-F238E27FC236}">
-                <a16:creationId xmlns:a16="http://schemas.microsoft.com/office/drawing/2014/main" id="{E05F6E7B-06CE-4C18-8FB6-EAFA044E0103}"/>
+                <a16:creationId xmlns:a16="http://schemas.microsoft.com/office/drawing/2014/main" id="{4BB99F1B-EE9F-45FE-BD50-22AB7BF796ED}"/>
               </a:ext>
             </a:extLst>
           </p:cNvPr>
-          <p:cNvSpPr>
-            <a:spLocks noGrp="1"/>
-          </p:cNvSpPr>
-          <p:nvPr>
-            <p:ph type="body" sz="quarter" idx="10"/>
-          </p:nvPr>
-        </p:nvSpPr>
+          <p:cNvPicPr>
+            <a:picLocks noChangeAspect="1"/>
+          </p:cNvPicPr>
+          <p:nvPr/>
+        </p:nvPicPr>
+        <p:blipFill>
+          <a:blip r:embed="rId3"/>
+          <a:stretch>
+            <a:fillRect/>
+          </a:stretch>
+        </p:blipFill>
         <p:spPr>
           <a:xfrm>
-            <a:off x="269238" y="1397843"/>
-            <a:ext cx="11653523" cy="5536900"/>
+            <a:off x="418182" y="1445488"/>
+            <a:ext cx="11355636" cy="4475024"/>
           </a:xfrm>
+          <a:prstGeom prst="rect">
+            <a:avLst/>
+          </a:prstGeom>
         </p:spPr>
-        <p:txBody>
-          <a:bodyPr/>
-          <a:lstStyle/>
-          <a:p>
-            <a:r>
-              <a:rPr lang="en-US" sz="2000" dirty="0">
-                <a:latin typeface="+mn-lt"/>
-              </a:rPr>
-              <a:t>Contoso could implement Anomaly Detector with native Azure services composing decoupled business logic and the presentation layers. These services include: </a:t>
-            </a:r>
-          </a:p>
-          <a:p>
-            <a:endParaRPr lang="en-US" sz="2000" dirty="0">
-              <a:latin typeface="+mn-lt"/>
-            </a:endParaRPr>
-          </a:p>
-          <a:p>
-            <a:pPr marL="342900" indent="-342900">
-              <a:buFont typeface="Arial" panose="020B0604020202020204" pitchFamily="34" charset="0"/>
-              <a:buChar char="•"/>
-            </a:pPr>
-            <a:r>
-              <a:rPr lang="en-US" sz="1800" dirty="0">
-                <a:latin typeface="+mn-lt"/>
-              </a:rPr>
-              <a:t>An Azure web app, which forms the presentation layer. Its purpose is to allow users to call the anomaly-detection service by using the prepared time-series data. The choice of Azure Web App Service gives Contoso's developers the option to work in their preferred language, including .NET, .NET Core, Java, Ruby, Node.js, PHP, or Python. In addition, the application endpoint can be protected by leveraging Azure Active Directory for authentication and authorization.</a:t>
-            </a:r>
-          </a:p>
-          <a:p>
-            <a:pPr marL="342900" indent="-342900">
-              <a:buFont typeface="Arial" panose="020B0604020202020204" pitchFamily="34" charset="0"/>
-              <a:buChar char="•"/>
-            </a:pPr>
-            <a:r>
-              <a:rPr lang="en-US" sz="1800" dirty="0">
-                <a:latin typeface="+mn-lt"/>
-              </a:rPr>
-              <a:t>Two Azure function apps, which host all business-logic functionality. The first is used to connect to Azure Application Insights and capture SAP telemetry, such as customer or business-partner processes that are target of anomaly detection. This function app transforms target data into JavaScript Object Notation (JSON) format with time-series subformatting. The second function app captures the precompiled time-series data from the first function app, makes a call to the Anomaly Detector service, and then retrieves the result. At that point, the web app presentation layer displays the results in a graph format. </a:t>
-            </a:r>
-          </a:p>
-          <a:p>
-            <a:pPr marL="342900" indent="-342900">
-              <a:buFont typeface="Arial" panose="020B0604020202020204" pitchFamily="34" charset="0"/>
-              <a:buChar char="•"/>
-            </a:pPr>
-            <a:r>
-              <a:rPr lang="en-US" sz="1800" dirty="0">
-                <a:latin typeface="+mn-lt"/>
-              </a:rPr>
-              <a:t>Application Insights, which stores all SAP log data. This log data is captured from various business processes, including Customer Master Data creation, Business Partner Creation and updates, and batch program logs. These logs serve as the source for anomaly detection.</a:t>
-            </a:r>
-          </a:p>
-          <a:p>
-            <a:pPr marL="342900" indent="-342900">
-              <a:buFont typeface="Arial" panose="020B0604020202020204" pitchFamily="34" charset="0"/>
-              <a:buChar char="•"/>
-            </a:pPr>
-            <a:r>
-              <a:rPr lang="en-US" sz="1800" dirty="0">
-                <a:latin typeface="+mn-lt"/>
-              </a:rPr>
-              <a:t>Azure Anomaly Detector, which exposes API to detect and returns all anomaly points based on time-series data sent by the function app. It is possible to interact with Anomaly Detector either by using directly the HTTP REST API or by relying on client SDK. </a:t>
-            </a:r>
-          </a:p>
-        </p:txBody>
-      </p:sp>
+      </p:pic>
     </p:spTree>
     <p:extLst>
       <p:ext uri="{BB962C8B-B14F-4D97-AF65-F5344CB8AC3E}">
-        <p14:creationId xmlns:p14="http://schemas.microsoft.com/office/powerpoint/2010/main" val="330061609"/>
+        <p14:creationId xmlns:p14="http://schemas.microsoft.com/office/powerpoint/2010/main" val="1945156068"/>
       </p:ext>
     </p:extLst>
   </p:cSld>
@@ -22349,46 +22507,83 @@
           <a:lstStyle/>
           <a:p>
             <a:r>
-              <a:rPr lang="en-IE" dirty="0"/>
-              <a:t>Anomaly Detector Diagram</a:t>
-            </a:r>
+              <a:rPr lang="en-US" dirty="0"/>
+              <a:t>Analytics</a:t>
+            </a:r>
+            <a:endParaRPr lang="en-IE" dirty="0"/>
           </a:p>
         </p:txBody>
       </p:sp>
-      <p:pic>
-        <p:nvPicPr>
-          <p:cNvPr id="5" name="Picture 4">
+      <p:sp>
+        <p:nvSpPr>
+          <p:cNvPr id="11" name="Text Placeholder 10">
             <a:extLst>
               <a:ext uri="{FF2B5EF4-FFF2-40B4-BE49-F238E27FC236}">
-                <a16:creationId xmlns:a16="http://schemas.microsoft.com/office/drawing/2014/main" id="{89006554-49C6-4A74-AB88-734B7BAC5DB8}"/>
+                <a16:creationId xmlns:a16="http://schemas.microsoft.com/office/drawing/2014/main" id="{E05F6E7B-06CE-4C18-8FB6-EAFA044E0103}"/>
               </a:ext>
             </a:extLst>
           </p:cNvPr>
-          <p:cNvPicPr>
-            <a:picLocks noChangeAspect="1"/>
-          </p:cNvPicPr>
-          <p:nvPr/>
-        </p:nvPicPr>
-        <p:blipFill>
-          <a:blip r:embed="rId3"/>
-          <a:stretch>
-            <a:fillRect/>
-          </a:stretch>
-        </p:blipFill>
+          <p:cNvSpPr>
+            <a:spLocks noGrp="1"/>
+          </p:cNvSpPr>
+          <p:nvPr>
+            <p:ph type="body" sz="quarter" idx="10"/>
+          </p:nvPr>
+        </p:nvSpPr>
         <p:spPr>
           <a:xfrm>
-            <a:off x="1498600" y="1151076"/>
-            <a:ext cx="8763000" cy="5532843"/>
+            <a:off x="269238" y="1397843"/>
+            <a:ext cx="11653523" cy="5478423"/>
           </a:xfrm>
-          <a:prstGeom prst="rect">
-            <a:avLst/>
-          </a:prstGeom>
         </p:spPr>
-      </p:pic>
+        <p:txBody>
+          <a:bodyPr/>
+          <a:lstStyle/>
+          <a:p>
+            <a:r>
+              <a:rPr lang="en-US" sz="2000" dirty="0">
+                <a:latin typeface="+mn-lt"/>
+              </a:rPr>
+              <a:t>The solution prepares data for analysis and then serves the processed data in a structured format that can be queried using analytical tools. The analytical data store used to serve these queries can be a relational data warehouse, which is part of the existing business intelligence solution. Alternatively, the data could be presented through a low-latency NoSQL technology such as HBase, or an interactive Hive database that provides a metadata abstraction over data files in the distributed data store. </a:t>
+            </a:r>
+          </a:p>
+          <a:p>
+            <a:endParaRPr lang="en-US" sz="2000" dirty="0">
+              <a:latin typeface="+mn-lt"/>
+            </a:endParaRPr>
+          </a:p>
+          <a:p>
+            <a:r>
+              <a:rPr lang="en-US" sz="2000" dirty="0">
+                <a:latin typeface="+mn-lt"/>
+              </a:rPr>
+              <a:t>Azure Synapse Analytics provides a managed service for large-scale, cloud-based data warehousing. Synapse Analytics Spark tools are optimized for analyzing and transforming data for presentation. This analysis could reference data stored in Azure Cosmos DB. For example, Azure Synapse Link for Azure Cosmos DB enables you to run near real-time analytics over operational data in Cosmos DB. </a:t>
+            </a:r>
+          </a:p>
+          <a:p>
+            <a:endParaRPr lang="en-US" sz="2000" dirty="0">
+              <a:latin typeface="+mn-lt"/>
+            </a:endParaRPr>
+          </a:p>
+          <a:p>
+            <a:r>
+              <a:rPr lang="en-US" sz="2000" dirty="0">
+                <a:latin typeface="+mn-lt"/>
+              </a:rPr>
+              <a:t>To further enrich your data, you can combine data from your SAP databases with other systems pooled into Azure Data Lake. Synapse Analytics and Power BI dashboards facilitate monitoring supplier status, tracking inbound materials flows, and overseeing logistics in real time. This also helps to overlay operating status with external data such as road closures or inclement weather to identify potential problems before they impact production schedules or customer deliveries. By combining market and demand data with resource planning systems, you can further improve business forecasting.</a:t>
+            </a:r>
+          </a:p>
+          <a:p>
+            <a:endParaRPr lang="en-US" sz="2000" dirty="0">
+              <a:latin typeface="+mn-lt"/>
+            </a:endParaRPr>
+          </a:p>
+        </p:txBody>
+      </p:sp>
     </p:spTree>
     <p:extLst>
       <p:ext uri="{BB962C8B-B14F-4D97-AF65-F5344CB8AC3E}">
-        <p14:creationId xmlns:p14="http://schemas.microsoft.com/office/powerpoint/2010/main" val="4074441733"/>
+        <p14:creationId xmlns:p14="http://schemas.microsoft.com/office/powerpoint/2010/main" val="3087009348"/>
       </p:ext>
     </p:extLst>
   </p:cSld>
@@ -22445,9 +22640,10 @@
           <a:lstStyle/>
           <a:p>
             <a:r>
-              <a:rPr lang="en-IE" dirty="0"/>
-              <a:t>Personalized Marketing</a:t>
-            </a:r>
+              <a:rPr lang="en-US" dirty="0"/>
+              <a:t>Analytics (continued)</a:t>
+            </a:r>
+            <a:endParaRPr lang="en-IE" dirty="0"/>
           </a:p>
         </p:txBody>
       </p:sp>
@@ -22470,7 +22666,7 @@
         <p:spPr>
           <a:xfrm>
             <a:off x="269238" y="1397843"/>
-            <a:ext cx="11653523" cy="3354765"/>
+            <a:ext cx="11653523" cy="3908762"/>
           </a:xfrm>
         </p:spPr>
         <p:txBody>
@@ -22481,7 +22677,7 @@
               <a:rPr lang="en-US" sz="2000" dirty="0">
                 <a:latin typeface="+mn-lt"/>
               </a:rPr>
-              <a:t>Personalized marketing focuses on targeting marketing initiatives and messaging to specific individuals that are either current or prospective customers. For this approach to be effective, Contoso needs to have access to customers' data and employ data analysis and artificial intelligence.</a:t>
+              <a:t>Another option that helps your further innovate the way you manage business data is Azure Anomaly Detector, which is part of Azure Cognitive Services. Anomaly Detector allows you to evaluate transactions, represented by time series data, across your entire SAP landscape in order to detect potential issues before they might have a negative impact. Based on incoming telemetry sources, the Anomaly Detector solution detects if there is a sudden change in creation or update processes. The detection algorithm can detect these issues automatically, in real time, and notify you in order to initiate a corrective action.</a:t>
             </a:r>
           </a:p>
           <a:p>
@@ -22494,7 +22690,7 @@
               <a:rPr lang="en-US" sz="2000" dirty="0">
                 <a:latin typeface="+mn-lt"/>
               </a:rPr>
-              <a:t>Furthermore, SAP applications can leverage Azure Cognitive Services for a number of purposes, including face recognition, text recognition, and natural language understanding. By deploying Cognitive Services, SAP will be able to analyze information closer to the physical world where the data resides and deliver real-time insights and immersive experiences that are highly responsive and contextually aware. For example, SAP Conversational AI can be implemented in combination with Azure bot channels to enhance conversational experience for online customers, including the ability to communicate via Microsoft Teams.</a:t>
+              <a:t>For example, Contoso could use Anomaly Detector to monitor changes to the Master Data Management (MDM) space, hosting objects representing business entities such as customers and business partners to detect and, optionally, remediate any unusual patterns. Similarly, Contoso could leverage Anomaly Detector to detect a sudden increase in online purchases of a particular product on its e‑commerce website. This would allow to take immediate actions to ensure product availability.</a:t>
             </a:r>
           </a:p>
         </p:txBody>
@@ -22502,7 +22698,7 @@
     </p:spTree>
     <p:extLst>
       <p:ext uri="{BB962C8B-B14F-4D97-AF65-F5344CB8AC3E}">
-        <p14:creationId xmlns:p14="http://schemas.microsoft.com/office/powerpoint/2010/main" val="3503607577"/>
+        <p14:creationId xmlns:p14="http://schemas.microsoft.com/office/powerpoint/2010/main" val="2094805284"/>
       </p:ext>
     </p:extLst>
   </p:cSld>
@@ -22560,12 +22756,8 @@
           <a:p>
             <a:r>
               <a:rPr lang="en-IE" dirty="0"/>
-              <a:t>Preferred objections handling #1</a:t>
-            </a:r>
-            <a:br>
-              <a:rPr lang="en-IE" dirty="0"/>
-            </a:br>
-            <a:endParaRPr lang="en-IE" dirty="0"/>
+              <a:t>Anomaly Detector</a:t>
+            </a:r>
           </a:p>
         </p:txBody>
       </p:sp>
@@ -22588,7 +22780,7 @@
         <p:spPr>
           <a:xfrm>
             <a:off x="269238" y="1397843"/>
-            <a:ext cx="11653523" cy="5349157"/>
+            <a:ext cx="11653523" cy="5287601"/>
           </a:xfrm>
         </p:spPr>
         <p:txBody>
@@ -22599,44 +22791,60 @@
               <a:rPr lang="en-US" sz="2000" dirty="0">
                 <a:latin typeface="+mn-lt"/>
               </a:rPr>
-              <a:t>Objection:</a:t>
-            </a:r>
-          </a:p>
-          <a:p>
+              <a:t>Contoso could implement Anomaly Detector with native Azure services composing decoupled business logic and the presentation layers. These services include: </a:t>
+            </a:r>
+          </a:p>
+          <a:p>
+            <a:endParaRPr lang="en-US" sz="2000" dirty="0">
+              <a:latin typeface="+mn-lt"/>
+            </a:endParaRPr>
+          </a:p>
+          <a:p>
+            <a:pPr marL="342900" indent="-342900">
+              <a:buFont typeface="Arial" panose="020B0604020202020204" pitchFamily="34" charset="0"/>
+              <a:buChar char="•"/>
+            </a:pPr>
             <a:r>
               <a:rPr lang="en-US" sz="1800" dirty="0">
                 <a:latin typeface="+mn-lt"/>
               </a:rPr>
-              <a:t>We currently have all the data we need, why do we need to do anything else?</a:t>
-            </a:r>
-          </a:p>
-          <a:p>
-            <a:endParaRPr lang="en-US" sz="2000" dirty="0">
-              <a:latin typeface="+mn-lt"/>
-            </a:endParaRPr>
-          </a:p>
-          <a:p>
-            <a:r>
-              <a:rPr lang="en-US" sz="2000" dirty="0">
-                <a:latin typeface="+mn-lt"/>
-              </a:rPr>
-              <a:t>Potential answer:</a:t>
-            </a:r>
-          </a:p>
-          <a:p>
+              <a:t>An Azure web app, which forms the presentation layer. Its purpose is to allow users to call the anomaly-detection service by using the prepared time-series data. The choice of Azure web app gives Contoso's developers the option to work in their preferred language, such as .NET, .Java, Ruby, Node.js, PHP, or Python. In addition, the app endpoint can be protected by leveraging Azure AD for authentication and authorization.</a:t>
+            </a:r>
+          </a:p>
+          <a:p>
+            <a:pPr marL="342900" indent="-342900">
+              <a:buFont typeface="Arial" panose="020B0604020202020204" pitchFamily="34" charset="0"/>
+              <a:buChar char="•"/>
+            </a:pPr>
             <a:r>
               <a:rPr lang="en-US" sz="1800" dirty="0">
                 <a:latin typeface="+mn-lt"/>
               </a:rPr>
-              <a:t>The traditional approach to data integration is no longer sufficient in the modern marketplace. Retailers can now derive meaningful benefits from end-to-end visibility of supply and demand signals across the value chain. This starts at a store aisle, where smart sensors powered by Azure IoT Edge can detect movement of physical products on shelves and automatically trigger restocking processes. Real time inventory fluctuations can be processed by Azure Stream Analytics and fed into the SAP Forecasting and Replenishment (SAP F&amp;R) solution to automate and accelerate the supply chain cycle. In parallel, retailers could leverage external data that represents external conditions in order to evaluate how they may affect local demand patterns. The ability to account for external data such as breaking news, weather, or sporting events can help detect and align to shifts in customer demand within hours. Predictive intelligence provided by Microsoft and SAP analytics tools, AI and machine learning models facilitates implementing such solutions, resulting in optimized procurement cycles, minimizing waste and maximizing profits.</a:t>
-            </a:r>
-          </a:p>
-          <a:p>
+              <a:t>Two Azure function apps, which host all business-logic functionality. The first is used to connect to Azure Application Insights and capture SAP telemetry, such as customer or business-partner processes that are target of anomaly detection. This function app transforms target data into JavaScript Object Notation (JSON) format with time-series subformatting. The second function app captures the precompiled time-series data from the first function app, makes a call to the Anomaly Detector service, and then retrieves the result. At that point, the web app presentation layer displays the results in a graph format. </a:t>
+            </a:r>
+          </a:p>
+          <a:p>
+            <a:pPr marL="342900" indent="-342900">
+              <a:buFont typeface="Arial" panose="020B0604020202020204" pitchFamily="34" charset="0"/>
+              <a:buChar char="•"/>
+            </a:pPr>
             <a:r>
               <a:rPr lang="en-US" sz="1800" dirty="0">
                 <a:latin typeface="+mn-lt"/>
               </a:rPr>
-              <a:t>Similarly, companies can use Azure analytics and Power BI dashboards to monitor supplier status, inbound materials flows and logistics in real time. Through Azure, they can overlay operating status with external data such as road closures or inclement weather to predict problems before they can impact production schedules or customer deliveries. </a:t>
+              <a:t>Application Insights, which stores all SAP log data. This log data is captured from various business processes, including Customer Master Data creation, Business Partner Creation and updates, and batch program logs. These logs serve as the source for anomaly detection.</a:t>
+            </a:r>
+          </a:p>
+          <a:p>
+            <a:pPr marL="342900" indent="-342900">
+              <a:buFont typeface="Arial" panose="020B0604020202020204" pitchFamily="34" charset="0"/>
+              <a:buChar char="•"/>
+            </a:pPr>
+            <a:r>
+              <a:rPr lang="en-US" sz="1800" dirty="0">
+                <a:latin typeface="+mn-lt"/>
+              </a:rPr>
+              <a:t>Azure Anomaly Detector, which exposes API to detect and returns all anomaly points based on time-series data sent by the function app. It is possible to interact with Anomaly Detector either by using directly the HTTP REST API or by relying on client SDK. </a:t>
             </a:r>
           </a:p>
         </p:txBody>
@@ -22644,7 +22852,7 @@
     </p:spTree>
     <p:extLst>
       <p:ext uri="{BB962C8B-B14F-4D97-AF65-F5344CB8AC3E}">
-        <p14:creationId xmlns:p14="http://schemas.microsoft.com/office/powerpoint/2010/main" val="2261839592"/>
+        <p14:creationId xmlns:p14="http://schemas.microsoft.com/office/powerpoint/2010/main" val="330061609"/>
       </p:ext>
     </p:extLst>
   </p:cSld>
@@ -22702,70 +22910,45 @@
           <a:p>
             <a:r>
               <a:rPr lang="en-IE" dirty="0"/>
-              <a:t>Preferred objections handling #1 (continued)</a:t>
-            </a:r>
-            <a:br>
-              <a:rPr lang="en-IE" dirty="0"/>
-            </a:br>
-            <a:endParaRPr lang="en-IE" dirty="0"/>
+              <a:t>Anomaly Detector Diagram</a:t>
+            </a:r>
           </a:p>
         </p:txBody>
       </p:sp>
-      <p:sp>
-        <p:nvSpPr>
-          <p:cNvPr id="11" name="Text Placeholder 10">
+      <p:pic>
+        <p:nvPicPr>
+          <p:cNvPr id="5" name="Picture 4" descr="Diagram illustrating an Anomaly Detector solution.">
             <a:extLst>
               <a:ext uri="{FF2B5EF4-FFF2-40B4-BE49-F238E27FC236}">
-                <a16:creationId xmlns:a16="http://schemas.microsoft.com/office/drawing/2014/main" id="{E05F6E7B-06CE-4C18-8FB6-EAFA044E0103}"/>
+                <a16:creationId xmlns:a16="http://schemas.microsoft.com/office/drawing/2014/main" id="{89006554-49C6-4A74-AB88-734B7BAC5DB8}"/>
               </a:ext>
             </a:extLst>
           </p:cNvPr>
-          <p:cNvSpPr>
-            <a:spLocks noGrp="1"/>
-          </p:cNvSpPr>
-          <p:nvPr>
-            <p:ph type="body" sz="quarter" idx="10"/>
-          </p:nvPr>
-        </p:nvSpPr>
+          <p:cNvPicPr>
+            <a:picLocks noChangeAspect="1"/>
+          </p:cNvPicPr>
+          <p:nvPr/>
+        </p:nvPicPr>
+        <p:blipFill>
+          <a:blip r:embed="rId3"/>
+          <a:stretch>
+            <a:fillRect/>
+          </a:stretch>
+        </p:blipFill>
         <p:spPr>
           <a:xfrm>
-            <a:off x="269238" y="1397843"/>
-            <a:ext cx="11653523" cy="3314754"/>
+            <a:off x="431800" y="1093926"/>
+            <a:ext cx="8763000" cy="5532843"/>
           </a:xfrm>
+          <a:prstGeom prst="rect">
+            <a:avLst/>
+          </a:prstGeom>
         </p:spPr>
-        <p:txBody>
-          <a:bodyPr/>
-          <a:lstStyle/>
-          <a:p>
-            <a:r>
-              <a:rPr lang="en-US" sz="2000" dirty="0">
-                <a:latin typeface="+mn-lt"/>
-              </a:rPr>
-              <a:t>Potential answer:</a:t>
-            </a:r>
-          </a:p>
-          <a:p>
-            <a:r>
-              <a:rPr lang="en-US" sz="1800" dirty="0">
-                <a:latin typeface="+mn-lt"/>
-              </a:rPr>
-              <a:t>By combining SAP- and Azure-based analytics, it becomes easier to uncover sales trend and customer preferences, resulting in optimized production targets and increased revenues. By expediting planning cycles in coordination with supplier networks and logistics providers, retailers can get products to market faster and deliver tailored products at scale. </a:t>
-            </a:r>
-          </a:p>
-          <a:p>
-            <a:r>
-              <a:rPr lang="en-US" sz="1800" dirty="0">
-                <a:latin typeface="+mn-lt"/>
-              </a:rPr>
-              <a:t>In addition, retailers can leverage new sources of customer and market data such as social network postings or review sites from outside the organization. This provides even deeper understanding of customers buying patterns and helps track their changes in real time. Such data can be ingested, aggregated, and analyzed by leveraging Azure AI and ML models to predict what offers and experiences will have the most significant impact. At the same time, availability of such data helps build highly accurate and granular profiles for each customer to understand their unique interests and buying patterns. This, in turn, makes it more likely to be able to effectively capture customers' attention, improving their satisfaction and the likelihood of making an actual purchase. </a:t>
-            </a:r>
-          </a:p>
-        </p:txBody>
-      </p:sp>
+      </p:pic>
     </p:spTree>
     <p:extLst>
       <p:ext uri="{BB962C8B-B14F-4D97-AF65-F5344CB8AC3E}">
-        <p14:creationId xmlns:p14="http://schemas.microsoft.com/office/powerpoint/2010/main" val="2511309625"/>
+        <p14:creationId xmlns:p14="http://schemas.microsoft.com/office/powerpoint/2010/main" val="4074441733"/>
       </p:ext>
     </p:extLst>
   </p:cSld>
@@ -22823,12 +23006,8 @@
           <a:p>
             <a:r>
               <a:rPr lang="en-IE" dirty="0"/>
-              <a:t>Preferred objections handling #1 (continued)</a:t>
-            </a:r>
-            <a:br>
-              <a:rPr lang="en-IE" dirty="0"/>
-            </a:br>
-            <a:endParaRPr lang="en-IE" dirty="0"/>
+              <a:t>Personalized Marketing</a:t>
+            </a:r>
           </a:p>
         </p:txBody>
       </p:sp>
@@ -22851,7 +23030,7 @@
         <p:spPr>
           <a:xfrm>
             <a:off x="269238" y="1397843"/>
-            <a:ext cx="11653523" cy="5115246"/>
+            <a:ext cx="11783062" cy="5693866"/>
           </a:xfrm>
         </p:spPr>
         <p:txBody>
@@ -22862,31 +23041,45 @@
               <a:rPr lang="en-US" sz="2000" dirty="0">
                 <a:latin typeface="+mn-lt"/>
               </a:rPr>
-              <a:t>Potential answer:</a:t>
-            </a:r>
-          </a:p>
-          <a:p>
-            <a:r>
-              <a:rPr lang="en-US" sz="1800" dirty="0">
+              <a:t>Personalized marketing focuses on targeting marketing initiatives and messaging to specific individuals that are either current or prospective customers. For this approach to be effective, Contoso needs to have access to customers' data and employ data analysis and artificial intelligence.</a:t>
+            </a:r>
+          </a:p>
+          <a:p>
+            <a:endParaRPr lang="en-US" sz="2000" dirty="0">
+              <a:latin typeface="+mn-lt"/>
+            </a:endParaRPr>
+          </a:p>
+          <a:p>
+            <a:r>
+              <a:rPr lang="en-US" sz="2000" dirty="0">
                 <a:latin typeface="+mn-lt"/>
               </a:rPr>
-              <a:t>Similarly, in the manufacturing scenarios, companies like Contoso will benefit from transitioning to the connected factory paradigm. Modern systems that carry out manufacturing tasks are equipped with smart sensors and controls that directly integrate them with the Internet-connected world. These connected assets can communicate their status as well as receive and process digital input, offering new ways to monitor and automate production lines. Device signals can report equipment health and maintenance needs or help identify efficiency problems either at the individual machine level or in the interactions between machines over an end-to-end production workflow. By incorporating this operational data with existing IT systems and line-of-business applications, manufacturers gain an integrated view of the production landscape and fine-grained control over the physical processes that determine factory performance.</a:t>
-            </a:r>
-          </a:p>
-          <a:p>
-            <a:r>
-              <a:rPr lang="en-US" sz="1800" dirty="0">
+              <a:t>Furthermore, SAP applications can leverage Azure Cognitive Services for a number of purposes, including face recognition, text recognition, and natural language understanding. By deploying Cognitive Services, SAP will be able to analyze information closer to the physical world where the data resides and deliver real-time insights and immersive experiences that are highly responsive and contextually aware. For example, SAP Conversational AI can be implemented in combination with Azure bot channels to enhance conversational experience for online customers, including the ability to communicate via Microsoft Teams. Azure bot channels can be connected directly to Microsoft Teams. In this configuration, bots act as intermediaries between a Teams user and a web service that provides the AI functionality.</a:t>
+            </a:r>
+          </a:p>
+          <a:p>
+            <a:endParaRPr lang="en-US" sz="2000" dirty="0">
+              <a:latin typeface="+mn-lt"/>
+            </a:endParaRPr>
+          </a:p>
+          <a:p>
+            <a:r>
+              <a:rPr lang="en-US" sz="2000" dirty="0">
                 <a:latin typeface="+mn-lt"/>
               </a:rPr>
-              <a:t>Sensor-equipped smart machines considerably simplify predictive maintenance and servicing, which minimize operational failures and the corresponding lost productivity. They also provide manufacturers with the ability to track real-time status of their environment, which helps detect anomalous behavior patterns. Tools such as Microsoft Power BI help create operator dashboards that automatically refresh at scheduled intervals, delivering an easy-to-analyze overview of up-to-date utilization and efficiency levels. </a:t>
-            </a:r>
-          </a:p>
-          <a:p>
-            <a:r>
-              <a:rPr lang="en-US" sz="1800" dirty="0">
+              <a:t>The integration with Microsoft Teams takes advantage of their support for conversational bots and can additionally leverage Azure Cognitive Services, including Language Understanding (LUIS) and </a:t>
+            </a:r>
+            <a:r>
+              <a:rPr lang="en-US" sz="2000" dirty="0" err="1">
                 <a:latin typeface="+mn-lt"/>
               </a:rPr>
-              <a:t>Combining business data with device telemetry and operational data can significantly increase production efficiency and flexibility, providing an integrated view of operations and improving control over physical production processes. Azure AI and ML solutions help build autonomous workflows that reduce human intervention while improving quality and performance.</a:t>
+              <a:t>QnA</a:t>
+            </a:r>
+            <a:r>
+              <a:rPr lang="en-US" sz="2000" dirty="0">
+                <a:latin typeface="+mn-lt"/>
+              </a:rPr>
+              <a:t> Maker. Contoso could use bots to run simple, repetitive automated tasks, such as answering common questions about its products, which traditionally were performed by their customer service or support staff. </a:t>
             </a:r>
           </a:p>
         </p:txBody>
@@ -22894,7 +23087,7 @@
     </p:spTree>
     <p:extLst>
       <p:ext uri="{BB962C8B-B14F-4D97-AF65-F5344CB8AC3E}">
-        <p14:creationId xmlns:p14="http://schemas.microsoft.com/office/powerpoint/2010/main" val="621894066"/>
+        <p14:creationId xmlns:p14="http://schemas.microsoft.com/office/powerpoint/2010/main" val="3503607577"/>
       </p:ext>
     </p:extLst>
   </p:cSld>
@@ -22952,7 +23145,7 @@
           <a:p>
             <a:r>
               <a:rPr lang="en-IE" dirty="0"/>
-              <a:t>Preferred objections handling #2</a:t>
+              <a:t>Preferred Objections Handling #1</a:t>
             </a:r>
             <a:br>
               <a:rPr lang="en-IE" dirty="0"/>
@@ -22980,7 +23173,7 @@
         <p:spPr>
           <a:xfrm>
             <a:off x="269238" y="1397843"/>
-            <a:ext cx="11653523" cy="4545860"/>
+            <a:ext cx="11653523" cy="5349157"/>
           </a:xfrm>
         </p:spPr>
         <p:txBody>
@@ -22999,7 +23192,7 @@
               <a:rPr lang="en-US" sz="1800" dirty="0">
                 <a:latin typeface="+mn-lt"/>
               </a:rPr>
-              <a:t>We've spent a lot of money and time building out the systems we have, why should we start over in Azure rather than upgrade our existing hardware?</a:t>
+              <a:t>We currently have all the data we need, why do we need to do anything else?</a:t>
             </a:r>
           </a:p>
           <a:p>
@@ -23020,7 +23213,7 @@
               <a:rPr lang="en-US" sz="1800" dirty="0">
                 <a:latin typeface="+mn-lt"/>
               </a:rPr>
-              <a:t>While it is possible to leverage Azure services in hybrid scenarios with your on-premises SAP landscape, by migrating it to Azure you will be able to fully realize the benefits that the cloud environment has to offer. These benefits go beyond increased agility, resiliency, and scalability, resulting also in meaningful cost savings. A Forrester study published in 2019 found that organizations which migrate SAP to Azure can expect more than a 100% return on investment within 3 years. According to the same study, by the second year, organizations will typically be able to reduce staff required to manage SAP infrastructure by 50% and accelerate SAP releases by 100% due to the ability to rapidly provision test environments. Effectively,</a:t>
+              <a:t>The traditional approach to data integration is no longer sufficient in the modern marketplace. Retailers can now derive meaningful benefits from end-to-end visibility of supply and demand signals across the value chain. This starts at a store aisle, where smart sensors powered by Azure IoT Edge can detect movement of physical products on shelves and automatically trigger restocking processes. Real time inventory fluctuations can be processed by Azure Stream Analytics and fed into the SAP Forecasting and Replenishment (SAP F&amp;R) solution to automate and accelerate the supply chain cycle. In parallel, retailers could leverage external data that represents external conditions in order to evaluate how they may affect local demand patterns. The ability to account for external data such as breaking news, weather, or sporting events can help detect and align to shifts in customer demand within hours. Predictive intelligence provided by Microsoft and SAP analytics tools, AI and machine learning models facilitates implementing such solutions, resulting in optimized procurement cycles, minimizing waste and maximizing profits.</a:t>
             </a:r>
           </a:p>
           <a:p>
@@ -23028,7 +23221,7 @@
               <a:rPr lang="en-US" sz="1800" dirty="0">
                 <a:latin typeface="+mn-lt"/>
               </a:rPr>
-              <a:t>organizations can accelerate development cycles, run test marketing campaigns and validate new product opportunities much faster, greatly reducing time to market. Similarly, financial and human resources previously dedicated to IT overhead can be allocated to pursuing product and business innovation and new market growth initiatives.</a:t>
+              <a:t>Similarly, companies can use Azure analytics and Power BI dashboards to monitor supplier status, inbound materials flows and logistics in real time. Through Azure, they can overlay operating status with external data such as road closures or inclement weather to predict problems before they can impact production schedules or customer deliveries. </a:t>
             </a:r>
           </a:p>
         </p:txBody>
@@ -23036,7 +23229,7 @@
     </p:spTree>
     <p:extLst>
       <p:ext uri="{BB962C8B-B14F-4D97-AF65-F5344CB8AC3E}">
-        <p14:creationId xmlns:p14="http://schemas.microsoft.com/office/powerpoint/2010/main" val="394603079"/>
+        <p14:creationId xmlns:p14="http://schemas.microsoft.com/office/powerpoint/2010/main" val="2261839592"/>
       </p:ext>
     </p:extLst>
   </p:cSld>
@@ -23110,7 +23303,7 @@
         <p:spPr>
           <a:xfrm>
             <a:off x="269239" y="1189177"/>
-            <a:ext cx="11653523" cy="2905411"/>
+            <a:ext cx="11653523" cy="4385816"/>
           </a:xfrm>
         </p:spPr>
         <p:txBody>
@@ -23125,7 +23318,7 @@
                 <a:latin typeface="+mn-lt"/>
                 <a:cs typeface="Segoe UI Semibold" panose="020B0702040204020203" pitchFamily="34" charset="0"/>
               </a:rPr>
-              <a:t>Contoso Retail, Inc has been facing challenges in modernizing its on-premises SAP landscape in order to better compete in the current marketplace. Among the main challenges are:</a:t>
+              <a:t>Contoso Retail, Inc has been facing challenges in modernizing its on-premises SAP landscape in order to better compete in the current marketplace. While Contoso already collects purchase data from all channels and updates daily warehouse logistical and operational data, this appears to be no longer sufficient.</a:t>
             </a:r>
           </a:p>
           <a:p>
@@ -23138,6 +23331,27 @@
             </a:endParaRPr>
           </a:p>
           <a:p>
+            <a:pPr marL="0" lvl="0" indent="0">
+              <a:buNone/>
+            </a:pPr>
+            <a:r>
+              <a:rPr lang="en-US" sz="2000" dirty="0">
+                <a:latin typeface="+mn-lt"/>
+                <a:cs typeface="Segoe UI Semibold" panose="020B0702040204020203" pitchFamily="34" charset="0"/>
+              </a:rPr>
+              <a:t>The main challenges include:</a:t>
+            </a:r>
+          </a:p>
+          <a:p>
+            <a:pPr marL="0" lvl="0" indent="0">
+              <a:buNone/>
+            </a:pPr>
+            <a:endParaRPr lang="en-US" sz="2000" dirty="0">
+              <a:latin typeface="+mn-lt"/>
+              <a:cs typeface="Segoe UI Semibold" panose="020B0702040204020203" pitchFamily="34" charset="0"/>
+            </a:endParaRPr>
+          </a:p>
+          <a:p>
             <a:r>
               <a:rPr lang="en-US" sz="1800" dirty="0">
                 <a:latin typeface="+mn-lt"/>
@@ -23170,7 +23384,7 @@
                 <a:latin typeface="+mn-lt"/>
                 <a:cs typeface="Segoe UI Semibold" panose="020B0702040204020203" pitchFamily="34" charset="0"/>
               </a:rPr>
-              <a:t>Lack of full visibility of supply and demand signals across the value chain.</a:t>
+              <a:t>Insufficient visibility of supply and demand signals across the value chain, related primarily to delays in updates of inventories, customer sentiment, and trends driven through social media</a:t>
             </a:r>
           </a:p>
           <a:p>
@@ -23179,7 +23393,7 @@
                 <a:latin typeface="+mn-lt"/>
                 <a:cs typeface="Segoe UI Semibold" panose="020B0702040204020203" pitchFamily="34" charset="0"/>
               </a:rPr>
-              <a:t>Insufficient customer data, precluding the ability to implement targeted advertising.</a:t>
+              <a:t>Limited customer data, precluding the ability to implement targeted advertising.</a:t>
             </a:r>
           </a:p>
           <a:p>
@@ -23257,7 +23471,7 @@
           <a:p>
             <a:r>
               <a:rPr lang="en-IE" dirty="0"/>
-              <a:t>Preferred objections handling #2 (continued)</a:t>
+              <a:t>Preferred Objections Handling #1 (continued)</a:t>
             </a:r>
             <a:br>
               <a:rPr lang="en-IE" dirty="0"/>
@@ -23285,7 +23499,7 @@
         <p:spPr>
           <a:xfrm>
             <a:off x="269238" y="1397843"/>
-            <a:ext cx="11653523" cy="3065455"/>
+            <a:ext cx="11653523" cy="3314754"/>
           </a:xfrm>
         </p:spPr>
         <p:txBody>
@@ -23304,7 +23518,7 @@
               <a:rPr lang="en-US" sz="1800" dirty="0">
                 <a:latin typeface="+mn-lt"/>
               </a:rPr>
-              <a:t>Azure is SAP certified to run your mission-critical SAP applications. It offers is the industry's most performant and scalable SAP cloud infrastructure, including 25+ configurations that span virtual machines and purpose-built bare metal instances with memory ranging from 192GB to 24TB, in more regions than any other public cloud provider. You also benefit from Azure security services and the industry's largest compliance portfolio for workloads in the cloud and on-premises. </a:t>
+              <a:t>By combining SAP- and Azure-based analytics, it becomes easier to uncover sales trend and customer preferences, resulting in optimized production targets and increased revenues. By expediting planning cycles in coordination with supplier networks and logistics providers, retailers can get products to market faster and deliver tailored products at scale. </a:t>
             </a:r>
           </a:p>
           <a:p>
@@ -23312,7 +23526,7 @@
               <a:rPr lang="en-US" sz="1800" dirty="0">
                 <a:latin typeface="+mn-lt"/>
               </a:rPr>
-              <a:t>In addition, Azure facilitate innovation, with a wide range of services that support different data ingestion, integration, transformation, processing and visualization services. Your new solution will not only leverage the data that is currently in place, but, you will be able to further enrich it by taking advantage of such functionality as cloud-native machine learning and artificial intelligence, including virtual and augmented reality, image recognition, and natural language processing. </a:t>
+              <a:t>In addition, retailers can leverage new sources of customer and market data such as social network postings or review sites from outside the organization. This provides even deeper understanding of customers buying patterns and helps track their changes in real time. Such data can be ingested, aggregated, and analyzed by leveraging Azure AI and ML models to predict what offers and experiences will have the most significant impact. At the same time, availability of such data helps build highly accurate and granular profiles for each customer to understand their unique interests and buying patterns. This, in turn, makes it more likely to be able to effectively capture customers' attention, improving their satisfaction and the likelihood of making an actual purchase. </a:t>
             </a:r>
           </a:p>
         </p:txBody>
@@ -23320,7 +23534,7 @@
     </p:spTree>
     <p:extLst>
       <p:ext uri="{BB962C8B-B14F-4D97-AF65-F5344CB8AC3E}">
-        <p14:creationId xmlns:p14="http://schemas.microsoft.com/office/powerpoint/2010/main" val="1448474971"/>
+        <p14:creationId xmlns:p14="http://schemas.microsoft.com/office/powerpoint/2010/main" val="2511309625"/>
       </p:ext>
     </p:extLst>
   </p:cSld>
@@ -23378,7 +23592,7 @@
           <a:p>
             <a:r>
               <a:rPr lang="en-IE" dirty="0"/>
-              <a:t>Preferred objections handling #3</a:t>
+              <a:t>Preferred Objections Handling #1 (continued)</a:t>
             </a:r>
             <a:br>
               <a:rPr lang="en-IE" dirty="0"/>
@@ -23406,7 +23620,7 @@
         <p:spPr>
           <a:xfrm>
             <a:off x="269238" y="1397843"/>
-            <a:ext cx="11653523" cy="3742563"/>
+            <a:ext cx="11653523" cy="5115246"/>
           </a:xfrm>
         </p:spPr>
         <p:txBody>
@@ -23417,7 +23631,7 @@
               <a:rPr lang="en-US" sz="2000" dirty="0">
                 <a:latin typeface="+mn-lt"/>
               </a:rPr>
-              <a:t>Objection:</a:t>
+              <a:t>Potential answer:</a:t>
             </a:r>
           </a:p>
           <a:p>
@@ -23425,20 +23639,7 @@
               <a:rPr lang="en-US" sz="1800" dirty="0">
                 <a:latin typeface="+mn-lt"/>
               </a:rPr>
-              <a:t>How will this solution help us to create a better process for getting our products from the manufacturing to the warehouses and then to the stores any quicker? Our staff is already working overtime and trucks won't be able to physically drive any faster while maintaining safety standards.</a:t>
-            </a:r>
-          </a:p>
-          <a:p>
-            <a:endParaRPr lang="en-US" sz="2000" dirty="0">
-              <a:latin typeface="+mn-lt"/>
-            </a:endParaRPr>
-          </a:p>
-          <a:p>
-            <a:r>
-              <a:rPr lang="en-US" sz="2000" dirty="0">
-                <a:latin typeface="+mn-lt"/>
-              </a:rPr>
-              <a:t>Potential answer:</a:t>
+              <a:t>Similarly, in the manufacturing scenarios, companies like Contoso will benefit from transitioning to the connected factory paradigm. Modern systems that carry out manufacturing tasks are equipped with smart sensors and controls that directly integrate them with the Internet-connected world. These connected assets can communicate their status as well as receive and process digital input, offering new ways to monitor and automate production lines. Device signals can report equipment health and maintenance needs or help identify efficiency problems either at the individual machine level or in the interactions between machines over an end-to-end production workflow. By incorporating this operational data with existing IT systems and line-of-business applications, manufacturers gain an integrated view of the production landscape and fine-grained control over the physical processes that determine factory performance.</a:t>
             </a:r>
           </a:p>
           <a:p>
@@ -23446,7 +23647,15 @@
               <a:rPr lang="en-US" sz="1800" dirty="0">
                 <a:latin typeface="+mn-lt"/>
               </a:rPr>
-              <a:t>The solution will help Contoso with optimizing this process. The objective is to improve efficiency rather than increasing speed or the amount of effort. This means having trucks that are fully loaded with the correct products and warehouses that are staffed with the staff best equipped to handle the task at hand. To accomplish this, you will take advantage of predictive analytics that take into account historical data and combine it with Azure AI and ML services to derive the most likely future outcome. You will also benefit from the availability of external data, such as road closures or inclement weather to identify potential problems before they might impact production schedules or customer deliveries. </a:t>
+              <a:t>Sensor-equipped smart machines considerably simplify predictive maintenance and servicing, which minimize operational failures and the corresponding lost productivity. They also provide manufacturers with the ability to track real-time status of their environment, which helps detect anomalous behavior patterns. Tools such as Microsoft Power BI help create operator dashboards that automatically refresh at scheduled intervals, delivering an easy-to-analyze overview of up-to-date utilization and efficiency levels. </a:t>
+            </a:r>
+          </a:p>
+          <a:p>
+            <a:r>
+              <a:rPr lang="en-US" sz="1800" dirty="0">
+                <a:latin typeface="+mn-lt"/>
+              </a:rPr>
+              <a:t>Combining business data with device telemetry and operational data can significantly increase production efficiency and flexibility, providing an integrated view of operations and improving control over physical production processes. Azure AI and ML solutions help build autonomous workflows that reduce human intervention while improving quality and performance.</a:t>
             </a:r>
           </a:p>
         </p:txBody>
@@ -23454,7 +23663,7 @@
     </p:spTree>
     <p:extLst>
       <p:ext uri="{BB962C8B-B14F-4D97-AF65-F5344CB8AC3E}">
-        <p14:creationId xmlns:p14="http://schemas.microsoft.com/office/powerpoint/2010/main" val="3332288451"/>
+        <p14:creationId xmlns:p14="http://schemas.microsoft.com/office/powerpoint/2010/main" val="621894066"/>
       </p:ext>
     </p:extLst>
   </p:cSld>
@@ -23512,7 +23721,7 @@
           <a:p>
             <a:r>
               <a:rPr lang="en-IE" dirty="0"/>
-              <a:t>Preferred objections handling #4</a:t>
+              <a:t>Preferred Objections Handling #2</a:t>
             </a:r>
             <a:br>
               <a:rPr lang="en-IE" dirty="0"/>
@@ -23540,7 +23749,7 @@
         <p:spPr>
           <a:xfrm>
             <a:off x="269238" y="1397843"/>
-            <a:ext cx="11653523" cy="3050066"/>
+            <a:ext cx="11653523" cy="4545860"/>
           </a:xfrm>
         </p:spPr>
         <p:txBody>
@@ -23559,7 +23768,7 @@
               <a:rPr lang="en-US" sz="1800" dirty="0">
                 <a:latin typeface="+mn-lt"/>
               </a:rPr>
-              <a:t>How can we ensure that privacy of our customers is sufficiently protected if we pursue targeted advertising by leveraging Azure services?</a:t>
+              <a:t>We've spent a lot of money and time building out the systems we have, why should we start over in Azure rather than upgrade our existing hardware?</a:t>
             </a:r>
           </a:p>
           <a:p>
@@ -23580,20 +23789,23 @@
               <a:rPr lang="en-US" sz="1800" dirty="0">
                 <a:latin typeface="+mn-lt"/>
               </a:rPr>
-              <a:t>Microsoft fully understands that its customers need to comply with their national, regional, and industry-specific requirements and offers full transparency regarding provisions it offers in this area. These provisions include strict standards regarding the privacy and protection of customer data. For more information regarding this topic, refer to https://azure.microsoft.com/en-us/support/legal/cognitive-services-compliance-and-privacy/ </a:t>
-            </a:r>
-          </a:p>
-          <a:p>
-            <a:endParaRPr lang="en-US" sz="1800" dirty="0">
-              <a:latin typeface="+mn-lt"/>
-            </a:endParaRPr>
+              <a:t>While it is possible to leverage Azure services in hybrid scenarios with your on-premises SAP landscape, by migrating it to Azure you will be able to fully realize the benefits that the cloud environment has to offer. These benefits go beyond increased agility, resiliency, and scalability, resulting also in meaningful cost savings. A Forrester study published in 2019 found that organizations which migrate SAP to Azure can expect more than a 100% return on investment within 3 years. According to the same study, by the second year, organizations will typically be able to reduce staff required to manage SAP infrastructure by 50% and accelerate SAP releases by 100% due to the ability to rapidly provision test environments. Effectively,</a:t>
+            </a:r>
+          </a:p>
+          <a:p>
+            <a:r>
+              <a:rPr lang="en-US" sz="1800" dirty="0">
+                <a:latin typeface="+mn-lt"/>
+              </a:rPr>
+              <a:t>organizations can accelerate development cycles, run test marketing campaigns and validate new product opportunities much faster, greatly reducing time to market. Similarly, financial and human resources previously dedicated to IT overhead can be allocated to pursuing product and business innovation and new market growth initiatives.</a:t>
+            </a:r>
           </a:p>
         </p:txBody>
       </p:sp>
     </p:spTree>
     <p:extLst>
       <p:ext uri="{BB962C8B-B14F-4D97-AF65-F5344CB8AC3E}">
-        <p14:creationId xmlns:p14="http://schemas.microsoft.com/office/powerpoint/2010/main" val="2157853981"/>
+        <p14:creationId xmlns:p14="http://schemas.microsoft.com/office/powerpoint/2010/main" val="394603079"/>
       </p:ext>
     </p:extLst>
   </p:cSld>
@@ -23630,6 +23842,400 @@
       </p:grpSpPr>
       <p:sp>
         <p:nvSpPr>
+          <p:cNvPr id="82" name="Title 81">
+            <a:extLst>
+              <a:ext uri="{FF2B5EF4-FFF2-40B4-BE49-F238E27FC236}">
+                <a16:creationId xmlns:a16="http://schemas.microsoft.com/office/drawing/2014/main" id="{6615F817-CA46-4109-8266-79C94F4DCA45}"/>
+              </a:ext>
+            </a:extLst>
+          </p:cNvPr>
+          <p:cNvSpPr>
+            <a:spLocks noGrp="1"/>
+          </p:cNvSpPr>
+          <p:nvPr>
+            <p:ph type="title"/>
+          </p:nvPr>
+        </p:nvSpPr>
+        <p:spPr/>
+        <p:txBody>
+          <a:bodyPr/>
+          <a:lstStyle/>
+          <a:p>
+            <a:r>
+              <a:rPr lang="en-IE" dirty="0"/>
+              <a:t>Preferred Objections Handling #2 (continued)</a:t>
+            </a:r>
+            <a:br>
+              <a:rPr lang="en-IE" dirty="0"/>
+            </a:br>
+            <a:endParaRPr lang="en-IE" dirty="0"/>
+          </a:p>
+        </p:txBody>
+      </p:sp>
+      <p:sp>
+        <p:nvSpPr>
+          <p:cNvPr id="11" name="Text Placeholder 10">
+            <a:extLst>
+              <a:ext uri="{FF2B5EF4-FFF2-40B4-BE49-F238E27FC236}">
+                <a16:creationId xmlns:a16="http://schemas.microsoft.com/office/drawing/2014/main" id="{E05F6E7B-06CE-4C18-8FB6-EAFA044E0103}"/>
+              </a:ext>
+            </a:extLst>
+          </p:cNvPr>
+          <p:cNvSpPr>
+            <a:spLocks noGrp="1"/>
+          </p:cNvSpPr>
+          <p:nvPr>
+            <p:ph type="body" sz="quarter" idx="10"/>
+          </p:nvPr>
+        </p:nvSpPr>
+        <p:spPr>
+          <a:xfrm>
+            <a:off x="269238" y="1397843"/>
+            <a:ext cx="11653523" cy="3065455"/>
+          </a:xfrm>
+        </p:spPr>
+        <p:txBody>
+          <a:bodyPr/>
+          <a:lstStyle/>
+          <a:p>
+            <a:r>
+              <a:rPr lang="en-US" sz="2000" dirty="0">
+                <a:latin typeface="+mn-lt"/>
+              </a:rPr>
+              <a:t>Potential answer:</a:t>
+            </a:r>
+          </a:p>
+          <a:p>
+            <a:r>
+              <a:rPr lang="en-US" sz="1800" dirty="0">
+                <a:latin typeface="+mn-lt"/>
+              </a:rPr>
+              <a:t>Azure is SAP certified to run your mission-critical SAP applications. It offers is the industry's most performant and scalable SAP cloud infrastructure, including 25+ configurations that span virtual machines and purpose-built bare metal instances with memory ranging from 192GB to 24TB, in more regions than any other public cloud provider. You also benefit from Azure security services and the industry's largest compliance portfolio for workloads in the cloud and on-premises. </a:t>
+            </a:r>
+          </a:p>
+          <a:p>
+            <a:r>
+              <a:rPr lang="en-US" sz="1800" dirty="0">
+                <a:latin typeface="+mn-lt"/>
+              </a:rPr>
+              <a:t>In addition, Azure facilitate innovation, with a wide range of services that support different data ingestion, integration, transformation, processing and visualization services. Your new solution will not only leverage the data that is currently in place, but, you will be able to further enrich it by taking advantage of such functionality as cloud-native machine learning and artificial intelligence, including virtual and augmented reality, image recognition, and natural language processing. </a:t>
+            </a:r>
+          </a:p>
+        </p:txBody>
+      </p:sp>
+    </p:spTree>
+    <p:extLst>
+      <p:ext uri="{BB962C8B-B14F-4D97-AF65-F5344CB8AC3E}">
+        <p14:creationId xmlns:p14="http://schemas.microsoft.com/office/powerpoint/2010/main" val="1448474971"/>
+      </p:ext>
+    </p:extLst>
+  </p:cSld>
+  <p:clrMapOvr>
+    <a:masterClrMapping/>
+  </p:clrMapOvr>
+  <mc:AlternateContent xmlns:mc="http://schemas.openxmlformats.org/markup-compatibility/2006" xmlns:p14="http://schemas.microsoft.com/office/powerpoint/2010/main">
+    <mc:Choice Requires="p14">
+      <p:transition p14:dur="0"/>
+    </mc:Choice>
+    <mc:Fallback xmlns="">
+      <p:transition/>
+    </mc:Fallback>
+  </mc:AlternateContent>
+</p:sld>
+</file>
+
+<file path=ppt/slides/slide44.xml><?xml version="1.0" encoding="utf-8"?>
+<p:sld xmlns:a="http://schemas.openxmlformats.org/drawingml/2006/main" xmlns:r="http://schemas.openxmlformats.org/officeDocument/2006/relationships" xmlns:p="http://schemas.openxmlformats.org/presentationml/2006/main">
+  <p:cSld>
+    <p:spTree>
+      <p:nvGrpSpPr>
+        <p:cNvPr id="1" name=""/>
+        <p:cNvGrpSpPr/>
+        <p:nvPr/>
+      </p:nvGrpSpPr>
+      <p:grpSpPr>
+        <a:xfrm>
+          <a:off x="0" y="0"/>
+          <a:ext cx="0" cy="0"/>
+          <a:chOff x="0" y="0"/>
+          <a:chExt cx="0" cy="0"/>
+        </a:xfrm>
+      </p:grpSpPr>
+      <p:sp>
+        <p:nvSpPr>
+          <p:cNvPr id="82" name="Title 81">
+            <a:extLst>
+              <a:ext uri="{FF2B5EF4-FFF2-40B4-BE49-F238E27FC236}">
+                <a16:creationId xmlns:a16="http://schemas.microsoft.com/office/drawing/2014/main" id="{6615F817-CA46-4109-8266-79C94F4DCA45}"/>
+              </a:ext>
+            </a:extLst>
+          </p:cNvPr>
+          <p:cNvSpPr>
+            <a:spLocks noGrp="1"/>
+          </p:cNvSpPr>
+          <p:nvPr>
+            <p:ph type="title"/>
+          </p:nvPr>
+        </p:nvSpPr>
+        <p:spPr/>
+        <p:txBody>
+          <a:bodyPr/>
+          <a:lstStyle/>
+          <a:p>
+            <a:r>
+              <a:rPr lang="en-IE" dirty="0"/>
+              <a:t>Preferred Objections Handling #3</a:t>
+            </a:r>
+            <a:br>
+              <a:rPr lang="en-IE" dirty="0"/>
+            </a:br>
+            <a:endParaRPr lang="en-IE" dirty="0"/>
+          </a:p>
+        </p:txBody>
+      </p:sp>
+      <p:sp>
+        <p:nvSpPr>
+          <p:cNvPr id="11" name="Text Placeholder 10">
+            <a:extLst>
+              <a:ext uri="{FF2B5EF4-FFF2-40B4-BE49-F238E27FC236}">
+                <a16:creationId xmlns:a16="http://schemas.microsoft.com/office/drawing/2014/main" id="{E05F6E7B-06CE-4C18-8FB6-EAFA044E0103}"/>
+              </a:ext>
+            </a:extLst>
+          </p:cNvPr>
+          <p:cNvSpPr>
+            <a:spLocks noGrp="1"/>
+          </p:cNvSpPr>
+          <p:nvPr>
+            <p:ph type="body" sz="quarter" idx="10"/>
+          </p:nvPr>
+        </p:nvSpPr>
+        <p:spPr>
+          <a:xfrm>
+            <a:off x="269238" y="1397843"/>
+            <a:ext cx="11653523" cy="3742563"/>
+          </a:xfrm>
+        </p:spPr>
+        <p:txBody>
+          <a:bodyPr/>
+          <a:lstStyle/>
+          <a:p>
+            <a:r>
+              <a:rPr lang="en-US" sz="2000" dirty="0">
+                <a:latin typeface="+mn-lt"/>
+              </a:rPr>
+              <a:t>Objection:</a:t>
+            </a:r>
+          </a:p>
+          <a:p>
+            <a:r>
+              <a:rPr lang="en-US" sz="1800" dirty="0">
+                <a:latin typeface="+mn-lt"/>
+              </a:rPr>
+              <a:t>How will this solution help us to create a better process for getting our products from the manufacturing to the warehouses and then to the stores any quicker? Our staff is already working overtime and trucks won't be able to physically drive any faster while maintaining safety standards.</a:t>
+            </a:r>
+          </a:p>
+          <a:p>
+            <a:endParaRPr lang="en-US" sz="2000" dirty="0">
+              <a:latin typeface="+mn-lt"/>
+            </a:endParaRPr>
+          </a:p>
+          <a:p>
+            <a:r>
+              <a:rPr lang="en-US" sz="2000" dirty="0">
+                <a:latin typeface="+mn-lt"/>
+              </a:rPr>
+              <a:t>Potential answer:</a:t>
+            </a:r>
+          </a:p>
+          <a:p>
+            <a:r>
+              <a:rPr lang="en-US" sz="1800" dirty="0">
+                <a:latin typeface="+mn-lt"/>
+              </a:rPr>
+              <a:t>The solution will help Contoso with optimizing this process. The objective is to improve efficiency rather than increasing speed or the amount of effort. This means having trucks that are fully loaded with the correct products and warehouses that are staffed with the staff best equipped to handle the task at hand. To accomplish this, you will take advantage of predictive analytics that take into account historical data and combine it with Azure AI and ML services to derive the most likely future outcome. You will also benefit from the availability of external data, such as road closures or inclement weather to identify potential problems before they might impact production schedules or customer deliveries. </a:t>
+            </a:r>
+          </a:p>
+        </p:txBody>
+      </p:sp>
+    </p:spTree>
+    <p:extLst>
+      <p:ext uri="{BB962C8B-B14F-4D97-AF65-F5344CB8AC3E}">
+        <p14:creationId xmlns:p14="http://schemas.microsoft.com/office/powerpoint/2010/main" val="3332288451"/>
+      </p:ext>
+    </p:extLst>
+  </p:cSld>
+  <p:clrMapOvr>
+    <a:masterClrMapping/>
+  </p:clrMapOvr>
+  <mc:AlternateContent xmlns:mc="http://schemas.openxmlformats.org/markup-compatibility/2006" xmlns:p14="http://schemas.microsoft.com/office/powerpoint/2010/main">
+    <mc:Choice Requires="p14">
+      <p:transition p14:dur="0"/>
+    </mc:Choice>
+    <mc:Fallback xmlns="">
+      <p:transition/>
+    </mc:Fallback>
+  </mc:AlternateContent>
+</p:sld>
+</file>
+
+<file path=ppt/slides/slide45.xml><?xml version="1.0" encoding="utf-8"?>
+<p:sld xmlns:a="http://schemas.openxmlformats.org/drawingml/2006/main" xmlns:r="http://schemas.openxmlformats.org/officeDocument/2006/relationships" xmlns:p="http://schemas.openxmlformats.org/presentationml/2006/main">
+  <p:cSld>
+    <p:spTree>
+      <p:nvGrpSpPr>
+        <p:cNvPr id="1" name=""/>
+        <p:cNvGrpSpPr/>
+        <p:nvPr/>
+      </p:nvGrpSpPr>
+      <p:grpSpPr>
+        <a:xfrm>
+          <a:off x="0" y="0"/>
+          <a:ext cx="0" cy="0"/>
+          <a:chOff x="0" y="0"/>
+          <a:chExt cx="0" cy="0"/>
+        </a:xfrm>
+      </p:grpSpPr>
+      <p:sp>
+        <p:nvSpPr>
+          <p:cNvPr id="82" name="Title 81">
+            <a:extLst>
+              <a:ext uri="{FF2B5EF4-FFF2-40B4-BE49-F238E27FC236}">
+                <a16:creationId xmlns:a16="http://schemas.microsoft.com/office/drawing/2014/main" id="{6615F817-CA46-4109-8266-79C94F4DCA45}"/>
+              </a:ext>
+            </a:extLst>
+          </p:cNvPr>
+          <p:cNvSpPr>
+            <a:spLocks noGrp="1"/>
+          </p:cNvSpPr>
+          <p:nvPr>
+            <p:ph type="title"/>
+          </p:nvPr>
+        </p:nvSpPr>
+        <p:spPr/>
+        <p:txBody>
+          <a:bodyPr/>
+          <a:lstStyle/>
+          <a:p>
+            <a:r>
+              <a:rPr lang="en-IE" dirty="0"/>
+              <a:t>Preferred Objections Handling #4</a:t>
+            </a:r>
+            <a:br>
+              <a:rPr lang="en-IE" dirty="0"/>
+            </a:br>
+            <a:endParaRPr lang="en-IE" dirty="0"/>
+          </a:p>
+        </p:txBody>
+      </p:sp>
+      <p:sp>
+        <p:nvSpPr>
+          <p:cNvPr id="11" name="Text Placeholder 10">
+            <a:extLst>
+              <a:ext uri="{FF2B5EF4-FFF2-40B4-BE49-F238E27FC236}">
+                <a16:creationId xmlns:a16="http://schemas.microsoft.com/office/drawing/2014/main" id="{E05F6E7B-06CE-4C18-8FB6-EAFA044E0103}"/>
+              </a:ext>
+            </a:extLst>
+          </p:cNvPr>
+          <p:cNvSpPr>
+            <a:spLocks noGrp="1"/>
+          </p:cNvSpPr>
+          <p:nvPr>
+            <p:ph type="body" sz="quarter" idx="10"/>
+          </p:nvPr>
+        </p:nvSpPr>
+        <p:spPr>
+          <a:xfrm>
+            <a:off x="269238" y="1397843"/>
+            <a:ext cx="11653523" cy="3050066"/>
+          </a:xfrm>
+        </p:spPr>
+        <p:txBody>
+          <a:bodyPr/>
+          <a:lstStyle/>
+          <a:p>
+            <a:r>
+              <a:rPr lang="en-US" sz="2000" dirty="0">
+                <a:latin typeface="+mn-lt"/>
+              </a:rPr>
+              <a:t>Objection:</a:t>
+            </a:r>
+          </a:p>
+          <a:p>
+            <a:r>
+              <a:rPr lang="en-US" sz="1800" dirty="0">
+                <a:latin typeface="+mn-lt"/>
+              </a:rPr>
+              <a:t>How can we ensure that privacy of our customers is sufficiently protected if we pursue targeted advertising by leveraging Azure services?</a:t>
+            </a:r>
+          </a:p>
+          <a:p>
+            <a:endParaRPr lang="en-US" sz="2000" dirty="0">
+              <a:latin typeface="+mn-lt"/>
+            </a:endParaRPr>
+          </a:p>
+          <a:p>
+            <a:r>
+              <a:rPr lang="en-US" sz="2000" dirty="0">
+                <a:latin typeface="+mn-lt"/>
+              </a:rPr>
+              <a:t>Potential answer:</a:t>
+            </a:r>
+          </a:p>
+          <a:p>
+            <a:r>
+              <a:rPr lang="en-US" sz="1800" dirty="0">
+                <a:latin typeface="+mn-lt"/>
+              </a:rPr>
+              <a:t>Microsoft fully understands that its customers need to comply with their national, regional, and industry-specific requirements and offers full transparency regarding provisions it offers in this area. These provisions include strict standards regarding the privacy and protection of customer data. For more information regarding this topic, refer to https://azure.microsoft.com/en-us/support/legal/cognitive-services-compliance-and-privacy/ </a:t>
+            </a:r>
+          </a:p>
+          <a:p>
+            <a:endParaRPr lang="en-US" sz="1800" dirty="0">
+              <a:latin typeface="+mn-lt"/>
+            </a:endParaRPr>
+          </a:p>
+        </p:txBody>
+      </p:sp>
+    </p:spTree>
+    <p:extLst>
+      <p:ext uri="{BB962C8B-B14F-4D97-AF65-F5344CB8AC3E}">
+        <p14:creationId xmlns:p14="http://schemas.microsoft.com/office/powerpoint/2010/main" val="2157853981"/>
+      </p:ext>
+    </p:extLst>
+  </p:cSld>
+  <p:clrMapOvr>
+    <a:masterClrMapping/>
+  </p:clrMapOvr>
+  <mc:AlternateContent xmlns:mc="http://schemas.openxmlformats.org/markup-compatibility/2006" xmlns:p14="http://schemas.microsoft.com/office/powerpoint/2010/main">
+    <mc:Choice Requires="p14">
+      <p:transition p14:dur="0"/>
+    </mc:Choice>
+    <mc:Fallback xmlns="">
+      <p:transition/>
+    </mc:Fallback>
+  </mc:AlternateContent>
+</p:sld>
+</file>
+
+<file path=ppt/slides/slide46.xml><?xml version="1.0" encoding="utf-8"?>
+<p:sld xmlns:a="http://schemas.openxmlformats.org/drawingml/2006/main" xmlns:r="http://schemas.openxmlformats.org/officeDocument/2006/relationships" xmlns:p="http://schemas.openxmlformats.org/presentationml/2006/main">
+  <p:cSld>
+    <p:spTree>
+      <p:nvGrpSpPr>
+        <p:cNvPr id="1" name=""/>
+        <p:cNvGrpSpPr/>
+        <p:nvPr/>
+      </p:nvGrpSpPr>
+      <p:grpSpPr>
+        <a:xfrm>
+          <a:off x="0" y="0"/>
+          <a:ext cx="0" cy="0"/>
+          <a:chOff x="0" y="0"/>
+          <a:chExt cx="0" cy="0"/>
+        </a:xfrm>
+      </p:grpSpPr>
+      <p:sp>
+        <p:nvSpPr>
           <p:cNvPr id="3" name="Title 2">
             <a:extLst>
               <a:ext uri="{FF2B5EF4-FFF2-40B4-BE49-F238E27FC236}">
@@ -23732,7 +24338,7 @@
 </p:sld>
 </file>
 
-<file path=ppt/slides/slide44.xml><?xml version="1.0" encoding="utf-8"?>
+<file path=ppt/slides/slide47.xml><?xml version="1.0" encoding="utf-8"?>
 <p:sld xmlns:a="http://schemas.openxmlformats.org/drawingml/2006/main" xmlns:r="http://schemas.openxmlformats.org/officeDocument/2006/relationships" xmlns:p="http://schemas.openxmlformats.org/presentationml/2006/main">
   <p:cSld>
     <p:bg>
@@ -23990,14 +24596,10 @@
             </a:r>
           </a:p>
           <a:p>
-            <a:pPr lvl="1"/>
-            <a:r>
-              <a:rPr lang="en-US" sz="1800" dirty="0">
-                <a:latin typeface="+mn-lt"/>
-                <a:cs typeface="Segoe UI Semibold" panose="020B0702040204020203" pitchFamily="34" charset="0"/>
-              </a:rPr>
-              <a:t>Collection of purchase data from all channels</a:t>
-            </a:r>
+            <a:endParaRPr lang="en-US" sz="1800" dirty="0">
+              <a:latin typeface="+mn-lt"/>
+              <a:cs typeface="Segoe UI Semibold" panose="020B0702040204020203" pitchFamily="34" charset="0"/>
+            </a:endParaRPr>
           </a:p>
           <a:p>
             <a:pPr lvl="1"/>
@@ -24161,7 +24763,7 @@
         <p:spPr>
           <a:xfrm>
             <a:off x="269239" y="1189177"/>
-            <a:ext cx="11653523" cy="5216813"/>
+            <a:ext cx="11653523" cy="4884414"/>
           </a:xfrm>
         </p:spPr>
         <p:txBody>
@@ -24197,7 +24799,7 @@
                 <a:latin typeface="+mn-lt"/>
                 <a:cs typeface="Segoe UI Semibold" panose="020B0702040204020203" pitchFamily="34" charset="0"/>
               </a:rPr>
-              <a:t>Contoso currently collects the store and online sales data and analyzes it within SAP, however, it recognizes that the scope of data collection and analysis is not sufficient to meet demands of the modern marketplace. To remediate this shortcoming, Contoso is looking for the ability to combine all sources of data, including:</a:t>
+              <a:t>Contoso currently collects the store and online sales data and analyzes it within SAP, however, it recognizes that the scope and frequency of data collection and analysis is not sufficient to meet demands of the modern marketplace. To remediate this shortcoming, Contoso is looking for the ability to improve its existing model by not only providing more frequent inventory updates but also incorporating other sources of data, including:</a:t>
             </a:r>
           </a:p>
           <a:p>
@@ -24214,23 +24816,7 @@
               <a:rPr lang="en-US" sz="1800" dirty="0">
                 <a:latin typeface="+mn-lt"/>
               </a:rPr>
-              <a:t>Purchase data from all channels</a:t>
-            </a:r>
-          </a:p>
-          <a:p>
-            <a:r>
-              <a:rPr lang="en-US" sz="1800" dirty="0">
-                <a:latin typeface="+mn-lt"/>
-              </a:rPr>
               <a:t>Sensor data from IoT devices in warehouses, stores, and manufacturing plants</a:t>
-            </a:r>
-          </a:p>
-          <a:p>
-            <a:r>
-              <a:rPr lang="en-US" sz="1800" dirty="0">
-                <a:latin typeface="+mn-lt"/>
-              </a:rPr>
-              <a:t>Warehouse logistical and operational data</a:t>
             </a:r>
           </a:p>
           <a:p>
@@ -25428,6 +26014,15 @@
 </file>
 
 <file path=customXml/item2.xml><?xml version="1.0" encoding="utf-8"?>
+<?mso-contentType ?>
+<FormTemplates xmlns="http://schemas.microsoft.com/sharepoint/v3/contenttype/forms">
+  <Display>DocumentLibraryForm</Display>
+  <Edit>DocumentLibraryForm</Edit>
+  <New>DocumentLibraryForm</New>
+</FormTemplates>
+</file>
+
+<file path=customXml/item3.xml><?xml version="1.0" encoding="utf-8"?>
 <ct:contentTypeSchema xmlns:ct="http://schemas.microsoft.com/office/2006/metadata/contentType" xmlns:ma="http://schemas.microsoft.com/office/2006/metadata/properties/metaAttributes" ct:_="" ma:_="" ma:contentTypeName="Document" ma:contentTypeID="0x010100BCA4EC527BF874469D7E5FECF7D9FB70" ma:contentTypeVersion="6" ma:contentTypeDescription="Create a new document." ma:contentTypeScope="" ma:versionID="63bcfb01198a5f4cc35071d76a13e973">
   <xsd:schema xmlns:xsd="http://www.w3.org/2001/XMLSchema" xmlns:xs="http://www.w3.org/2001/XMLSchema" xmlns:p="http://schemas.microsoft.com/office/2006/metadata/properties" xmlns:ns2="25b059c1-e0b1-4aae-b8e7-a9c1a20f7312" xmlns:ns3="24937d34-002f-4836-b77c-e21f12df0152" targetNamespace="http://schemas.microsoft.com/office/2006/metadata/properties" ma:root="true" ma:fieldsID="12b927a22a17d3f79cc59c0932bea1cb" ns2:_="" ns3:_="">
     <xsd:import namespace="25b059c1-e0b1-4aae-b8e7-a9c1a20f7312"/>
@@ -25606,15 +26201,6 @@
 </ct:contentTypeSchema>
 </file>
 
-<file path=customXml/item3.xml><?xml version="1.0" encoding="utf-8"?>
-<?mso-contentType ?>
-<FormTemplates xmlns="http://schemas.microsoft.com/sharepoint/v3/contenttype/forms">
-  <Display>DocumentLibraryForm</Display>
-  <Edit>DocumentLibraryForm</Edit>
-  <New>DocumentLibraryForm</New>
-</FormTemplates>
-</file>
-
 <file path=customXml/itemProps1.xml><?xml version="1.0" encoding="utf-8"?>
 <ds:datastoreItem xmlns:ds="http://schemas.openxmlformats.org/officeDocument/2006/customXml" ds:itemID="{2AC6E67E-42B4-40AF-80F4-D98253E4E21A}">
   <ds:schemaRefs>
@@ -25633,6 +26219,14 @@
 </file>
 
 <file path=customXml/itemProps2.xml><?xml version="1.0" encoding="utf-8"?>
+<ds:datastoreItem xmlns:ds="http://schemas.openxmlformats.org/officeDocument/2006/customXml" ds:itemID="{FC7B288A-115F-4EDF-8326-05039CEE1DB1}">
+  <ds:schemaRefs>
+    <ds:schemaRef ds:uri="http://schemas.microsoft.com/sharepoint/v3/contenttype/forms"/>
+  </ds:schemaRefs>
+</ds:datastoreItem>
+</file>
+
+<file path=customXml/itemProps3.xml><?xml version="1.0" encoding="utf-8"?>
 <ds:datastoreItem xmlns:ds="http://schemas.openxmlformats.org/officeDocument/2006/customXml" ds:itemID="{50B43756-F2F7-4341-9ED7-6CDCB2E9AC83}">
   <ds:schemaRefs>
     <ds:schemaRef ds:uri="http://schemas.microsoft.com/office/2006/metadata/contentType"/>
@@ -25649,12 +26243,4 @@
     <ds:schemaRef ds:uri="http://schemas.microsoft.com/internal/obd"/>
   </ds:schemaRefs>
 </ds:datastoreItem>
-</file>
-
-<file path=customXml/itemProps3.xml><?xml version="1.0" encoding="utf-8"?>
-<ds:datastoreItem xmlns:ds="http://schemas.openxmlformats.org/officeDocument/2006/customXml" ds:itemID="{FC7B288A-115F-4EDF-8326-05039CEE1DB1}">
-  <ds:schemaRefs>
-    <ds:schemaRef ds:uri="http://schemas.microsoft.com/sharepoint/v3/contenttype/forms"/>
-  </ds:schemaRefs>
-</ds:datastoreItem>
 </file>